--- a/atac-seq/presentation/ATAC.pptx
+++ b/atac-seq/presentation/ATAC.pptx
@@ -3265,7 +3265,13 @@
           <a:p>
             <a:r>
               <a:rPr lang="en-US" dirty="0"/>
-              <a:t>Hello Everyone and welcome to the ATAC-seq section of the course. We start with a quick recap on epigenetic regulation, the</a:t>
+              <a:t>Hello Everyone and welcome to the ATAC-seq section of the course. We start with a quick recap on epigenetic regulation, then move on to the importance of open chromatin, followed by an explanation of ATAC-seq. Use cases and qualities come after, and we finish with two ways to do quality control of our data sets.</a:t>
+            </a:r>
+          </a:p>
+          <a:p>
+            <a:r>
+              <a:rPr lang="en-US" dirty="0"/>
+              <a:t>In the exercise section after we will put what we learned to use.</a:t>
             </a:r>
           </a:p>
         </p:txBody>
@@ -3352,19 +3358,25 @@
           <a:p>
             <a:r>
               <a:rPr lang="en-US" dirty="0"/>
-              <a:t>Something else that is worth mentioning: the fragment length coming out of the ATAC-seq experiments.</a:t>
+              <a:t>Something else that is worth mentioning: the fragment length coming out of  ATAC-seq experiments.</a:t>
             </a:r>
           </a:p>
           <a:p>
             <a:r>
               <a:rPr lang="en-US" dirty="0"/>
-              <a:t>An abundance of short fragments that represents cases where you have two transposase cuts between nucleosomes, represented by the two arrows on the left. </a:t>
+              <a:t>An abundance of short fragments that represents cases where you have two transposases cut between nucleosomes, which is represented by the two arrows on the left. </a:t>
             </a:r>
           </a:p>
           <a:p>
             <a:r>
               <a:rPr lang="en-US" dirty="0"/>
-              <a:t>Sometimes you see this mono nucleosome peak, that represents cases where you get one cut on either side of a nucleosome.</a:t>
+              <a:t>Quite often you see a mono nucleosome peak, that represents cases where you get one cut on either side of a nucleosome.</a:t>
+            </a:r>
+          </a:p>
+          <a:p>
+            <a:r>
+              <a:rPr lang="en-US" dirty="0"/>
+              <a:t>This is indicated by the single arrow.</a:t>
             </a:r>
           </a:p>
           <a:p>
@@ -3376,19 +3388,19 @@
           <a:p>
             <a:r>
               <a:rPr lang="en-US" dirty="0"/>
-              <a:t>The same goes for the third and forth bump.</a:t>
+              <a:t>The same goes for the third and forth bump, 400 and 600bp fragment length.</a:t>
             </a:r>
           </a:p>
           <a:p>
             <a:r>
               <a:rPr lang="en-US" dirty="0"/>
-              <a:t>This pattern is expected for ATAC-seq experiments. </a:t>
+              <a:t>This pattern is expected for most ATAC-seq experiments. </a:t>
             </a:r>
           </a:p>
           <a:p>
             <a:r>
               <a:rPr lang="en-US" dirty="0"/>
-              <a:t>A large difference indicates a problem with the experiment.</a:t>
+              <a:t>A large difference in this pattern usually indicates a problem with the experiment.</a:t>
             </a:r>
           </a:p>
           <a:p>
@@ -3478,13 +3490,13 @@
           <a:p>
             <a:r>
               <a:rPr lang="en-US" dirty="0"/>
-              <a:t>It is primarily used for mapping of regions of open chromatin across the genome.</a:t>
+              <a:t>ATAC-seq is primarily used for mapping of regions of open chromatin across the genome.</a:t>
             </a:r>
           </a:p>
           <a:p>
             <a:r>
               <a:rPr lang="en-US" dirty="0"/>
-              <a:t>Minor use cases are mapping nucleosome positions and transcription factor </a:t>
+              <a:t>Less common use cases are mapping nucleosome positions and transcription factor </a:t>
             </a:r>
             <a:r>
               <a:rPr lang="en-US" dirty="0" err="1"/>
@@ -3493,6 +3505,15 @@
             <a:r>
               <a:rPr lang="en-US" dirty="0"/>
               <a:t>. </a:t>
+            </a:r>
+          </a:p>
+          <a:p>
+            <a:endParaRPr lang="en-US" dirty="0"/>
+          </a:p>
+          <a:p>
+            <a:r>
+              <a:rPr lang="en-US" dirty="0"/>
+              <a:t>An example of the later is shown here.</a:t>
             </a:r>
           </a:p>
           <a:p>
@@ -3564,7 +3585,7 @@
                 <a:ea typeface="+mn-ea"/>
                 <a:cs typeface="+mn-cs"/>
               </a:rPr>
-              <a:t>During analysis, each read is mapped to the genome and used to create a signal of single Tn5 insertion events (black bars), in which binding of protein is visible as depletion of the signal (defined as the footprint</a:t>
+              <a:t>During analysis, each read is mapped to the genome and used to create a signal of single Tn5 insertion events (black bars), in which binding of protein is visible as depletion of the signal, defined as the footprint</a:t>
             </a:r>
             <a:endParaRPr lang="en-US" dirty="0"/>
           </a:p>
@@ -4288,7 +4309,7 @@
           <a:p>
             <a:r>
               <a:rPr lang="en-US" dirty="0"/>
-              <a:t>The genome is like the hardware of a computer. Every cell comes with the same CPU, RAM etc. This is of course the DNA. The program running on top of this hardware is encoded in the protein and DNA interaction, the way DNA is folded and compacted in the nucleus defines which parts of the program are fun </a:t>
+              <a:t>The genome is like the hardware of a computer. Every cell comes with the same motherboard, the same CPU, RAM, hard drive etc. This is of course the DNA. The program running on top of this hardware is encoded in the protein and DNA interaction. The way DNA is folded and compacted in the nucleus defines which parts of the program are run.</a:t>
             </a:r>
           </a:p>
         </p:txBody>
@@ -4377,9 +4398,23 @@
               <a:rPr lang="en-GB" dirty="0"/>
               <a:t>Eukaryotic genomes are hierarchically packaged into chromatin, and the nature of this packaging plays a central role in gene regulation. </a:t>
             </a:r>
+          </a:p>
+          <a:p>
             <a:r>
               <a:rPr lang="en-US" dirty="0"/>
-              <a:t>Folding is a memory. Different aspects in the genome like regulatory elements of the DNA are more or less or not  accessible to the transcriptional machinery or binding of transcription factors depending on the type or state of cell The regulatory elements “talk” to the transcription starts sites and drive gene expression of specific genes .</a:t>
+              <a:t>Folding is a memory. Different aspects in the genome, like for example regulatory elements of the DNA, are more, less, or not at all accessible to the transcriptional machinery or to the  binding of transcription factors. </a:t>
+            </a:r>
+          </a:p>
+          <a:p>
+            <a:r>
+              <a:rPr lang="en-US" dirty="0"/>
+              <a:t>This all depends on the type and/or the state of cell. </a:t>
+            </a:r>
+          </a:p>
+          <a:p>
+            <a:r>
+              <a:rPr lang="en-US" dirty="0"/>
+              <a:t>Regulatory elements “talk” to the transcription starts sites and drive gene expression of specific genes. </a:t>
             </a:r>
           </a:p>
         </p:txBody>
@@ -4466,7 +4501,19 @@
           <a:p>
             <a:r>
               <a:rPr lang="en-US" dirty="0"/>
-              <a:t>As mentioned before, the genome is the same in all cells, but different regulatory elements like enhancers or promoters are involved. They can be combinatorial on and off in different cells and drive different gene expression programs. These regulatory elements are in turn driven by things like transcription factors which bind to specific motifs in the enhancer maintain accessibility and drive expression.</a:t>
+              <a:t>As mentioned before, the genome is the same in all cells, but different regulatory elements like enhancers or promoters are active. </a:t>
+            </a:r>
+          </a:p>
+          <a:p>
+            <a:r>
+              <a:rPr lang="en-US" dirty="0"/>
+              <a:t>They can be combinatorial on and off in different cells, and drive different gene expression programs. </a:t>
+            </a:r>
+          </a:p>
+          <a:p>
+            <a:r>
+              <a:rPr lang="en-US" dirty="0"/>
+              <a:t>These regulatory elements are in turn driven by things like transcription factors which bind to specific motifs in the enhancer and maintain accessibility and drive expression.</a:t>
             </a:r>
           </a:p>
         </p:txBody>
@@ -4553,7 +4600,25 @@
           <a:p>
             <a:r>
               <a:rPr lang="en-US" dirty="0"/>
-              <a:t>On way to look at this is through the lens of accessibility.  Which elements in the genome are accessible to the binding of transcription factors? These accessible elements have the potential to be regulatory where inaccessible elements which are not bindable by transcription factors are likely off. A very familiar concept to any computer scientist – 0 or 1?</a:t>
+              <a:t>On way to look at this is through the lens of accessibility.  </a:t>
+            </a:r>
+          </a:p>
+          <a:p>
+            <a:r>
+              <a:rPr lang="en-US" dirty="0"/>
+              <a:t>Which elements in the genome are accessible to the binding of transcription factors? </a:t>
+            </a:r>
+          </a:p>
+          <a:p>
+            <a:r>
+              <a:rPr lang="en-US" dirty="0"/>
+              <a:t>These accessible elements have the potential to be regulatory, where inaccessible elements which are not bindable by transcription factors are likely off. </a:t>
+            </a:r>
+          </a:p>
+          <a:p>
+            <a:r>
+              <a:rPr lang="en-US" dirty="0"/>
+              <a:t>A very familiar concept to any computer scientist – is the light off or on,  0 or 1?</a:t>
             </a:r>
           </a:p>
         </p:txBody>
@@ -4640,13 +4705,13 @@
           <a:p>
             <a:r>
               <a:rPr lang="en-US" dirty="0"/>
-              <a:t>his is the world's most native model of gene regulation.</a:t>
+              <a:t>This is the world's most naive model of gene regulation.</a:t>
             </a:r>
           </a:p>
           <a:p>
             <a:r>
               <a:rPr lang="en-US" dirty="0"/>
-              <a:t>In each one of your cells, you have  two meters of DNA, and it is  not free floating around in the nucleus, it is really tightly packed around these proteins which are called histone proteins.</a:t>
+              <a:t>In each one of your cells, you have  two meters of DNA, and it is  not free floating in the nucleus, it is really tightly packed around these proteins which are called histones.</a:t>
             </a:r>
           </a:p>
           <a:p>
@@ -4658,11 +4723,8 @@
           <a:p>
             <a:r>
               <a:rPr lang="en-US" dirty="0"/>
-              <a:t>That is the DNA protein complex when the DNA is really tightly compacted, there is not space for any proteins to bind to it.</a:t>
-            </a:r>
-          </a:p>
-          <a:p>
-            <a:endParaRPr lang="en-US" dirty="0"/>
+              <a:t>There is no space for any proteins to bind to the DNA.</a:t>
+            </a:r>
           </a:p>
           <a:p>
             <a:r>
@@ -4673,13 +4735,13 @@
           <a:p>
             <a:r>
               <a:rPr lang="en-US" dirty="0"/>
-              <a:t>These other proteins are called transcription factors, and we find the areas where they bind a lot of times right in front of genes.</a:t>
+              <a:t>These other proteins are mostly transcription factors, and the areas where they bind is mostly right in front of genes.</a:t>
             </a:r>
           </a:p>
           <a:p>
             <a:r>
               <a:rPr lang="en-US" dirty="0"/>
-              <a:t>In summary: Knowing where the DNA is accessible for transcription factor binding is important.</a:t>
+              <a:t>Therefore: Knowing where the DNA is accessible for transcription factor binding is important.</a:t>
             </a:r>
           </a:p>
           <a:p>
@@ -4890,13 +4952,27 @@
           <a:p>
             <a:r>
               <a:rPr lang="en-GB" dirty="0"/>
+              <a:t>The process of loading Tn5 with sequence adaptors is called </a:t>
+            </a:r>
+            <a:r>
+              <a:rPr lang="en-GB" dirty="0" err="1"/>
+              <a:t>tagmentation</a:t>
+            </a:r>
+            <a:r>
+              <a:rPr lang="en-GB" dirty="0"/>
+              <a:t>.</a:t>
+            </a:r>
+          </a:p>
+          <a:p>
+            <a:r>
+              <a:rPr lang="en-GB" dirty="0"/>
               <a:t>Tn5 can then simultaneously fragment and tag a genome with sequencing adaptors.</a:t>
             </a:r>
           </a:p>
           <a:p>
             <a:r>
               <a:rPr lang="en-US" dirty="0"/>
-              <a:t>Now you have fragments that wherever there was accessibility and wherever this transposase was able to bind, it is like a test transcription factor, it generates these  amplifiable fragments which can be immediately </a:t>
+              <a:t>Wherever there was accessibility and wherever this transposase was able to bind, it generates amplifiable fragments which can be immediately </a:t>
             </a:r>
             <a:r>
               <a:rPr lang="en-US" dirty="0" err="1"/>
@@ -4904,79 +4980,41 @@
             </a:r>
             <a:r>
               <a:rPr lang="en-US" dirty="0"/>
-              <a:t> and then sequenced and aligned back to the genome.</a:t>
+              <a:t>, sequenced and aligned back to the genome.</a:t>
             </a:r>
           </a:p>
           <a:p>
             <a:r>
               <a:rPr lang="en-US" dirty="0"/>
-              <a:t>The library prep and the assay are the same step. It is really simple. The joke goes that it is so simple, even a PI can do it.  </a:t>
+              <a:t>The library prep and the assay are the same step. </a:t>
             </a:r>
           </a:p>
           <a:p>
             <a:r>
               <a:rPr lang="en-US" dirty="0"/>
-              <a:t>DNase-seq, which utilizes DNase I, has an additional library preparation step, and also requires a much larger number of cells to begin with.</a:t>
+              <a:t>It is really simple. </a:t>
+            </a:r>
+          </a:p>
+          <a:p>
+            <a:r>
+              <a:rPr lang="en-US" dirty="0"/>
+              <a:t>The joke goes that it is so simple, even a PI can do it.  </a:t>
+            </a:r>
+          </a:p>
+          <a:p>
+            <a:r>
+              <a:rPr lang="en-US" dirty="0"/>
+              <a:t>DNase-seq, which utilizes DNase I, has an additional library preparation step, and also requires a much larger number of cells to begin with (500 to 50k vs millions)</a:t>
+            </a:r>
+          </a:p>
+          <a:p>
+            <a:r>
+              <a:rPr lang="en-US" dirty="0"/>
+              <a:t>Aside from a larger number of cells, the additional library preparation  step of DNase-seq is costly as it requires a technician.</a:t>
             </a:r>
           </a:p>
           <a:p>
             <a:endParaRPr lang="en-US" dirty="0"/>
-          </a:p>
-          <a:p>
-            <a:endParaRPr lang="en-US" dirty="0"/>
-          </a:p>
-          <a:p>
-            <a:endParaRPr lang="en-US" dirty="0"/>
-          </a:p>
-          <a:p>
-            <a:endParaRPr lang="en-US" dirty="0"/>
-          </a:p>
-          <a:p>
-            <a:endParaRPr lang="en-US" dirty="0"/>
-          </a:p>
-          <a:p>
-            <a:pPr marL="0" marR="0" lvl="0" indent="0" algn="l" defTabSz="914400" rtl="0" eaLnBrk="1" fontAlgn="auto" latinLnBrk="0" hangingPunct="1">
-              <a:lnSpc>
-                <a:spcPct val="100000"/>
-              </a:lnSpc>
-              <a:spcBef>
-                <a:spcPts val="0"/>
-              </a:spcBef>
-              <a:spcAft>
-                <a:spcPts val="0"/>
-              </a:spcAft>
-              <a:buClrTx/>
-              <a:buSzTx/>
-              <a:buFontTx/>
-              <a:buNone/>
-              <a:tabLst/>
-              <a:defRPr/>
-            </a:pPr>
-            <a:r>
-              <a:rPr lang="en-GB" dirty="0"/>
-              <a:t>Hyperactive Tn5 transposase loaded in vitro with adaptors for high-throughput DNA sequencing, can simultaneously fragment and tag a genome with sequencing adaptors as “</a:t>
-            </a:r>
-            <a:r>
-              <a:rPr lang="en-GB" dirty="0" err="1"/>
-              <a:t>tagmentation</a:t>
-            </a:r>
-            <a:r>
-              <a:rPr lang="en-GB" dirty="0"/>
-              <a:t>”). Because transposons have been shown to integrate into active regulatory elements in vivo, we hypothesized that transposition by purified Tn5, a prokaryotic transposase, on small numbers of unfixed eukaryotic nuclei would interrogate regions of accessible chromatin</a:t>
-            </a:r>
-            <a:endParaRPr lang="en-US" dirty="0"/>
-          </a:p>
-          <a:p>
-            <a:endParaRPr lang="en-US" dirty="0"/>
-          </a:p>
-          <a:p>
-            <a:endParaRPr lang="en-US" dirty="0"/>
-          </a:p>
-          <a:p>
-            <a:r>
-              <a:rPr lang="en-US" dirty="0"/>
-              <a:t>?</a:t>
-            </a:r>
           </a:p>
         </p:txBody>
       </p:sp>
@@ -5074,7 +5112,13 @@
           <a:p>
             <a:r>
               <a:rPr lang="en-US" dirty="0"/>
-              <a:t>Using ATAC-seq, we see a concentration or pile-up of reads right in front of the gene start, which indicates that the promoter is accessible.</a:t>
+              <a:t>Using ATAC-seq, we see a concentration, or pile-up, of reads right in front of the gene start.</a:t>
+            </a:r>
+          </a:p>
+          <a:p>
+            <a:r>
+              <a:rPr lang="en-US" dirty="0"/>
+              <a:t>This indicates that the promoter of this gene is accessible and the gene is expressed.</a:t>
             </a:r>
           </a:p>
         </p:txBody>
@@ -10821,7 +10865,10 @@
           </a:bodyPr>
           <a:lstStyle/>
           <a:p>
-            <a:endParaRPr lang="en-US" dirty="0"/>
+            <a:r>
+              <a:rPr lang="en-US" dirty="0"/>
+              <a:t>Gene expression control</a:t>
+            </a:r>
           </a:p>
         </p:txBody>
       </p:sp>

--- a/atac-seq/presentation/ATAC.pptx
+++ b/atac-seq/presentation/ATAC.pptx
@@ -3673,13 +3673,22 @@
           <a:p>
             <a:r>
               <a:rPr lang="en-US" dirty="0"/>
+              <a:t>What defines good quality ATAC-seq data?</a:t>
+            </a:r>
+          </a:p>
+          <a:p>
+            <a:endParaRPr lang="en-US" dirty="0"/>
+          </a:p>
+          <a:p>
+            <a:r>
+              <a:rPr lang="en-US" dirty="0"/>
               <a:t>- Enrichment of ATAC-seq signal around transcription start sites.  </a:t>
             </a:r>
           </a:p>
           <a:p>
             <a:r>
               <a:rPr lang="en-US" dirty="0"/>
-              <a:t>We saw in the slide earlier that promoters will be open and therefore we expect much of the  signal to come from near gene promoters.</a:t>
+              <a:t>We saw in the slide earlier that promoters will be accessible and therefore we expect much of the  signal to around gene promoters.</a:t>
             </a:r>
           </a:p>
           <a:p>
@@ -3834,28 +3843,7 @@
           <a:bodyPr/>
           <a:lstStyle/>
           <a:p>
-            <a:r>
-              <a:rPr lang="en-US" dirty="0"/>
-              <a:t>A first and common step is to visualize the results of peak calling in a Genome Browser, for example IGV. </a:t>
-            </a:r>
-          </a:p>
-          <a:p>
-            <a:r>
-              <a:rPr lang="en-US" dirty="0"/>
-              <a:t>IGV is small, easy to use locally installed genome browser.</a:t>
-            </a:r>
-          </a:p>
-          <a:p>
-            <a:r>
-              <a:rPr lang="en-US" dirty="0"/>
-              <a:t>When loading the results of our peak calling experiments, we expect to see a pile-up and peaks identified by ATAC-seq experiments upstream of genes. </a:t>
-            </a:r>
-          </a:p>
-          <a:p>
-            <a:r>
-              <a:rPr lang="en-US" dirty="0"/>
-              <a:t>In this example we have 2 genes, NOC2L and KLH17, and we see 2 peaks upstream.</a:t>
-            </a:r>
+            <a:endParaRPr lang="en-US" dirty="0"/>
           </a:p>
         </p:txBody>
       </p:sp>
@@ -3876,7 +3864,7 @@
           <a:p>
             <a:fld id="{AB06205B-FD71-B343-B4F8-3DDFB497DC17}" type="slidenum">
               <a:rPr lang="en-US" smtClean="0"/>
-              <a:t>14</a:t>
+              <a:t>13</a:t>
             </a:fld>
             <a:endParaRPr lang="en-US"/>
           </a:p>
@@ -3885,7 +3873,7 @@
     </p:spTree>
     <p:extLst>
       <p:ext uri="{BB962C8B-B14F-4D97-AF65-F5344CB8AC3E}">
-        <p14:creationId xmlns:p14="http://schemas.microsoft.com/office/powerpoint/2010/main" val="3066916992"/>
+        <p14:creationId xmlns:p14="http://schemas.microsoft.com/office/powerpoint/2010/main" val="4206766144"/>
       </p:ext>
     </p:extLst>
   </p:cSld>
@@ -3940,60 +3928,27 @@
           <a:lstStyle/>
           <a:p>
             <a:r>
-              <a:rPr lang="en-US" b="0" dirty="0"/>
-              <a:t>The idea is that</a:t>
-            </a:r>
-          </a:p>
-          <a:p>
-            <a:r>
-              <a:rPr lang="en-US" b="0" dirty="0"/>
-              <a:t>Ataqv is it's it's kind of as modular as possible again so you can fit it into an existing pipeline, so you have you </a:t>
-            </a:r>
-          </a:p>
-          <a:p>
-            <a:r>
-              <a:rPr lang="en-US" b="0" dirty="0"/>
-              <a:t>We have created our  samples as BAM file which is just kind of a file of a line reads as a standard file you see in genomic analyses </a:t>
-            </a:r>
-          </a:p>
-          <a:p>
-            <a:r>
-              <a:rPr lang="en-US" b="0" dirty="0"/>
-              <a:t>You additionally need to know the organism because there is some organism specific metadata encoded in the software.</a:t>
-            </a:r>
-          </a:p>
-          <a:p>
-            <a:r>
-              <a:rPr lang="en-US" b="0" dirty="0"/>
-              <a:t>Further there are some optional inputs, for example the result of your peak calling I bed format, and file containing the TSS for the organism, also in bed format. </a:t>
-            </a:r>
-          </a:p>
-          <a:p>
-            <a:r>
-              <a:rPr lang="en-US" b="0" dirty="0"/>
-              <a:t>The later is used for calculation TSS enrichment. </a:t>
-            </a:r>
-          </a:p>
-          <a:p>
-            <a:r>
-              <a:rPr lang="en-US" b="0" dirty="0"/>
-              <a:t>You run ataqv for each of your replicate experiments, and the output is a human readable text file and additionally a machine readable json file.</a:t>
-            </a:r>
-          </a:p>
-          <a:p>
-            <a:r>
-              <a:rPr lang="en-US" b="0" dirty="0"/>
-              <a:t>The result of all the ataqv runs is passed to another command line tool, mkarv.</a:t>
-            </a:r>
-          </a:p>
-          <a:p>
-            <a:r>
-              <a:rPr lang="en-US" b="0" dirty="0"/>
-              <a:t>Mkarv combines the results into a HTML report.</a:t>
-            </a:r>
-          </a:p>
-          <a:p>
-            <a:endParaRPr lang="en-US" b="0" dirty="0"/>
+              <a:rPr lang="en-US" dirty="0"/>
+              <a:t>A first and common step is to visualize the results of peak calling in a Genome Browser, for example IGV. </a:t>
+            </a:r>
+          </a:p>
+          <a:p>
+            <a:r>
+              <a:rPr lang="en-US" dirty="0"/>
+              <a:t>IGV is small, easy to use locally installed genome browser.</a:t>
+            </a:r>
+          </a:p>
+          <a:p>
+            <a:r>
+              <a:rPr lang="en-US" dirty="0"/>
+              <a:t>When loading the results of our peak calling experiments, we expect to see a pile-up and peaks identified by ATAC-seq experiments upstream of genes. </a:t>
+            </a:r>
+          </a:p>
+          <a:p>
+            <a:r>
+              <a:rPr lang="en-US" dirty="0"/>
+              <a:t>In this example we have 2 genes, NOC2L and KLH17, and we see 2 peaks upstream.</a:t>
+            </a:r>
           </a:p>
         </p:txBody>
       </p:sp>
@@ -4014,7 +3969,7 @@
           <a:p>
             <a:fld id="{AB06205B-FD71-B343-B4F8-3DDFB497DC17}" type="slidenum">
               <a:rPr lang="en-US" smtClean="0"/>
-              <a:t>15</a:t>
+              <a:t>14</a:t>
             </a:fld>
             <a:endParaRPr lang="en-US"/>
           </a:p>
@@ -4023,7 +3978,7 @@
     </p:spTree>
     <p:extLst>
       <p:ext uri="{BB962C8B-B14F-4D97-AF65-F5344CB8AC3E}">
-        <p14:creationId xmlns:p14="http://schemas.microsoft.com/office/powerpoint/2010/main" val="1497286651"/>
+        <p14:creationId xmlns:p14="http://schemas.microsoft.com/office/powerpoint/2010/main" val="3066916992"/>
       </p:ext>
     </p:extLst>
   </p:cSld>
@@ -4078,6 +4033,144 @@
           <a:lstStyle/>
           <a:p>
             <a:r>
+              <a:rPr lang="en-US" b="0" dirty="0"/>
+              <a:t>The idea is that</a:t>
+            </a:r>
+          </a:p>
+          <a:p>
+            <a:r>
+              <a:rPr lang="en-US" b="0" dirty="0"/>
+              <a:t>Ataqv is it's it's kind of as modular as possible again so you can fit it into an existing pipeline, so you have you </a:t>
+            </a:r>
+          </a:p>
+          <a:p>
+            <a:r>
+              <a:rPr lang="en-US" b="0" dirty="0"/>
+              <a:t>We have created our  samples as BAM file which is just kind of a file of a line reads as a standard file you see in genomic analyses </a:t>
+            </a:r>
+          </a:p>
+          <a:p>
+            <a:r>
+              <a:rPr lang="en-US" b="0" dirty="0"/>
+              <a:t>You additionally need to know the organism because there is some organism specific metadata encoded in the software.</a:t>
+            </a:r>
+          </a:p>
+          <a:p>
+            <a:r>
+              <a:rPr lang="en-US" b="0" dirty="0"/>
+              <a:t>Further there are some optional inputs, for example the result of your peak calling I bed format, and file containing the TSS for the organism, also in bed format. </a:t>
+            </a:r>
+          </a:p>
+          <a:p>
+            <a:r>
+              <a:rPr lang="en-US" b="0" dirty="0"/>
+              <a:t>The later is used for calculation TSS enrichment. </a:t>
+            </a:r>
+          </a:p>
+          <a:p>
+            <a:r>
+              <a:rPr lang="en-US" b="0" dirty="0"/>
+              <a:t>You run ataqv for each of your replicate experiments, and the output is a human readable text file and additionally a machine readable json file.</a:t>
+            </a:r>
+          </a:p>
+          <a:p>
+            <a:r>
+              <a:rPr lang="en-US" b="0" dirty="0"/>
+              <a:t>The result of all the ataqv runs is passed to another command line tool, mkarv.</a:t>
+            </a:r>
+          </a:p>
+          <a:p>
+            <a:r>
+              <a:rPr lang="en-US" b="0" dirty="0"/>
+              <a:t>Mkarv combines the results into a HTML report.</a:t>
+            </a:r>
+          </a:p>
+          <a:p>
+            <a:endParaRPr lang="en-US" b="0" dirty="0"/>
+          </a:p>
+        </p:txBody>
+      </p:sp>
+      <p:sp>
+        <p:nvSpPr>
+          <p:cNvPr id="4" name="Slide Number Placeholder 3"/>
+          <p:cNvSpPr>
+            <a:spLocks noGrp="1"/>
+          </p:cNvSpPr>
+          <p:nvPr>
+            <p:ph type="sldNum" sz="quarter" idx="5"/>
+          </p:nvPr>
+        </p:nvSpPr>
+        <p:spPr/>
+        <p:txBody>
+          <a:bodyPr/>
+          <a:lstStyle/>
+          <a:p>
+            <a:fld id="{AB06205B-FD71-B343-B4F8-3DDFB497DC17}" type="slidenum">
+              <a:rPr lang="en-US" smtClean="0"/>
+              <a:t>15</a:t>
+            </a:fld>
+            <a:endParaRPr lang="en-US"/>
+          </a:p>
+        </p:txBody>
+      </p:sp>
+    </p:spTree>
+    <p:extLst>
+      <p:ext uri="{BB962C8B-B14F-4D97-AF65-F5344CB8AC3E}">
+        <p14:creationId xmlns:p14="http://schemas.microsoft.com/office/powerpoint/2010/main" val="1497286651"/>
+      </p:ext>
+    </p:extLst>
+  </p:cSld>
+  <p:clrMapOvr>
+    <a:masterClrMapping/>
+  </p:clrMapOvr>
+</p:notes>
+</file>
+
+<file path=ppt/notesSlides/notesSlide16.xml><?xml version="1.0" encoding="utf-8"?>
+<p:notes xmlns:a="http://schemas.openxmlformats.org/drawingml/2006/main" xmlns:r="http://schemas.openxmlformats.org/officeDocument/2006/relationships" xmlns:p="http://schemas.openxmlformats.org/presentationml/2006/main">
+  <p:cSld>
+    <p:spTree>
+      <p:nvGrpSpPr>
+        <p:cNvPr id="1" name=""/>
+        <p:cNvGrpSpPr/>
+        <p:nvPr/>
+      </p:nvGrpSpPr>
+      <p:grpSpPr>
+        <a:xfrm>
+          <a:off x="0" y="0"/>
+          <a:ext cx="0" cy="0"/>
+          <a:chOff x="0" y="0"/>
+          <a:chExt cx="0" cy="0"/>
+        </a:xfrm>
+      </p:grpSpPr>
+      <p:sp>
+        <p:nvSpPr>
+          <p:cNvPr id="2" name="Slide Image Placeholder 1"/>
+          <p:cNvSpPr>
+            <a:spLocks noGrp="1" noRot="1" noChangeAspect="1"/>
+          </p:cNvSpPr>
+          <p:nvPr>
+            <p:ph type="sldImg"/>
+          </p:nvPr>
+        </p:nvSpPr>
+        <p:spPr/>
+      </p:sp>
+      <p:sp>
+        <p:nvSpPr>
+          <p:cNvPr id="3" name="Notes Placeholder 2"/>
+          <p:cNvSpPr>
+            <a:spLocks noGrp="1"/>
+          </p:cNvSpPr>
+          <p:nvPr>
+            <p:ph type="body" idx="1"/>
+          </p:nvPr>
+        </p:nvSpPr>
+        <p:spPr/>
+        <p:txBody>
+          <a:bodyPr/>
+          <a:lstStyle/>
+          <a:p>
+            <a:r>
               <a:rPr lang="en-US" dirty="0"/>
               <a:t>Here we see an example of the report created by ataqv. </a:t>
             </a:r>
@@ -4170,7 +4263,7 @@
 </p:notes>
 </file>
 
-<file path=ppt/notesSlides/notesSlide16.xml><?xml version="1.0" encoding="utf-8"?>
+<file path=ppt/notesSlides/notesSlide17.xml><?xml version="1.0" encoding="utf-8"?>
 <p:notes xmlns:a="http://schemas.openxmlformats.org/drawingml/2006/main" xmlns:r="http://schemas.openxmlformats.org/officeDocument/2006/relationships" xmlns:p="http://schemas.openxmlformats.org/presentationml/2006/main">
   <p:cSld>
     <p:spTree>
@@ -9220,18 +9313,18 @@
           <a:lstStyle/>
           <a:p>
             <a:r>
-              <a:rPr lang="en-GB" sz="3400"/>
+              <a:rPr lang="en-GB" sz="3400" dirty="0"/>
               <a:t>Qualities of good ATAC-</a:t>
             </a:r>
             <a:r>
-              <a:rPr lang="en-GB" sz="3400" err="1"/>
+              <a:rPr lang="en-GB" sz="3400" dirty="0" err="1"/>
               <a:t>seq</a:t>
             </a:r>
             <a:r>
-              <a:rPr lang="en-GB" sz="3400"/>
+              <a:rPr lang="en-GB" sz="3400" dirty="0"/>
               <a:t> data</a:t>
             </a:r>
-            <a:endParaRPr lang="en-US" sz="3400"/>
+            <a:endParaRPr lang="en-US" sz="3400" dirty="0"/>
           </a:p>
         </p:txBody>
       </p:sp>
@@ -9854,6 +9947,47 @@
           </a:prstGeom>
         </p:spPr>
       </p:pic>
+      <p:sp>
+        <p:nvSpPr>
+          <p:cNvPr id="5" name="TextBox 4">
+            <a:extLst>
+              <a:ext uri="{FF2B5EF4-FFF2-40B4-BE49-F238E27FC236}">
+                <a16:creationId xmlns:a16="http://schemas.microsoft.com/office/drawing/2014/main" id="{DC7918A5-C4F0-884E-8F00-04B25432DC9B}"/>
+              </a:ext>
+            </a:extLst>
+          </p:cNvPr>
+          <p:cNvSpPr txBox="1"/>
+          <p:nvPr/>
+        </p:nvSpPr>
+        <p:spPr>
+          <a:xfrm>
+            <a:off x="4058294" y="6310875"/>
+            <a:ext cx="4075411" cy="369332"/>
+          </a:xfrm>
+          <a:prstGeom prst="rect">
+            <a:avLst/>
+          </a:prstGeom>
+          <a:noFill/>
+        </p:spPr>
+        <p:txBody>
+          <a:bodyPr wrap="none" rtlCol="0">
+            <a:spAutoFit/>
+          </a:bodyPr>
+          <a:lstStyle/>
+          <a:p>
+            <a:r>
+              <a:rPr lang="en-US" dirty="0">
+                <a:hlinkClick r:id="rId4"/>
+              </a:rPr>
+              <a:t>https://parkerlab.github.io/ataqv/demo/</a:t>
+            </a:r>
+            <a:r>
+              <a:rPr lang="en-US" dirty="0"/>
+              <a:t> </a:t>
+            </a:r>
+          </a:p>
+        </p:txBody>
+      </p:sp>
     </p:spTree>
     <p:extLst>
       <p:ext uri="{BB962C8B-B14F-4D97-AF65-F5344CB8AC3E}">

--- a/atac-seq/presentation/ATAC.pptx
+++ b/atac-seq/presentation/ATAC.pptx
@@ -4040,25 +4040,25 @@
           <a:p>
             <a:r>
               <a:rPr lang="en-US" b="0" dirty="0"/>
-              <a:t>Ataqv is it's it's kind of as modular as possible again so you can fit it into an existing pipeline, so you have you </a:t>
+              <a:t>Ataqv is as modular as possible again so it can fit it into an existing pipeline. </a:t>
             </a:r>
           </a:p>
           <a:p>
             <a:r>
               <a:rPr lang="en-US" b="0" dirty="0"/>
-              <a:t>We have created our  samples as BAM file which is just kind of a file of a line reads as a standard file you see in genomic analyses </a:t>
+              <a:t>The main input are BAM file which is a standard file  in genomic analyses </a:t>
             </a:r>
           </a:p>
           <a:p>
             <a:r>
               <a:rPr lang="en-US" b="0" dirty="0"/>
-              <a:t>You additionally need to know the organism because there is some organism specific metadata encoded in the software.</a:t>
+              <a:t>Additionally the organism is needed because there is some organism specific metadata encoded in the software.</a:t>
             </a:r>
           </a:p>
           <a:p>
             <a:r>
               <a:rPr lang="en-US" b="0" dirty="0"/>
-              <a:t>Further there are some optional inputs, for example the result of your peak calling I bed format, and file containing the TSS for the organism, also in bed format. </a:t>
+              <a:t>Further there are some optional inputs, for example the result of your peak calling in bed format, and file containing the TSS for the organism, also in bed format. </a:t>
             </a:r>
           </a:p>
           <a:p>
@@ -4070,7 +4070,7 @@
           <a:p>
             <a:r>
               <a:rPr lang="en-US" b="0" dirty="0"/>
-              <a:t>You run ataqv for each of your replicate experiments, and the output is a human readable text file and additionally a machine readable json file.</a:t>
+              <a:t>You run ataqv for each of your replicate experiments, and the output is a human readable text file, and additionally a machine readable json file.</a:t>
             </a:r>
           </a:p>
           <a:p>

--- a/atac-seq/presentation/ATAC.pptx
+++ b/atac-seq/presentation/ATAC.pptx
@@ -2951,7 +2951,7 @@
           <a:p>
             <a:fld id="{D4AB707C-77ED-1B4C-9286-18A51BB6D1BD}" type="datetimeFigureOut">
               <a:rPr lang="en-US" smtClean="0"/>
-              <a:t>5/3/21</a:t>
+              <a:t>5/6/21</a:t>
             </a:fld>
             <a:endParaRPr lang="en-US"/>
           </a:p>
@@ -5409,7 +5409,7 @@
           <a:p>
             <a:fld id="{7168FA93-4619-C648-B849-51A18D362EC0}" type="datetimeFigureOut">
               <a:rPr lang="en-US" smtClean="0"/>
-              <a:t>5/3/21</a:t>
+              <a:t>5/6/21</a:t>
             </a:fld>
             <a:endParaRPr lang="en-US"/>
           </a:p>
@@ -5710,7 +5710,7 @@
           <a:p>
             <a:fld id="{7168FA93-4619-C648-B849-51A18D362EC0}" type="datetimeFigureOut">
               <a:rPr lang="en-US" smtClean="0"/>
-              <a:t>5/3/21</a:t>
+              <a:t>5/6/21</a:t>
             </a:fld>
             <a:endParaRPr lang="en-US"/>
           </a:p>
@@ -5918,7 +5918,7 @@
           <a:p>
             <a:fld id="{7168FA93-4619-C648-B849-51A18D362EC0}" type="datetimeFigureOut">
               <a:rPr lang="en-US" smtClean="0"/>
-              <a:t>5/3/21</a:t>
+              <a:t>5/6/21</a:t>
             </a:fld>
             <a:endParaRPr lang="en-US"/>
           </a:p>
@@ -6136,7 +6136,7 @@
           <a:p>
             <a:fld id="{7168FA93-4619-C648-B849-51A18D362EC0}" type="datetimeFigureOut">
               <a:rPr lang="en-US" smtClean="0"/>
-              <a:t>5/3/21</a:t>
+              <a:t>5/6/21</a:t>
             </a:fld>
             <a:endParaRPr lang="en-US"/>
           </a:p>
@@ -6349,7 +6349,7 @@
           <a:p>
             <a:fld id="{7168FA93-4619-C648-B849-51A18D362EC0}" type="datetimeFigureOut">
               <a:rPr lang="en-US" smtClean="0"/>
-              <a:t>5/3/21</a:t>
+              <a:t>5/6/21</a:t>
             </a:fld>
             <a:endParaRPr lang="en-US"/>
           </a:p>
@@ -6633,7 +6633,7 @@
           <a:p>
             <a:fld id="{7168FA93-4619-C648-B849-51A18D362EC0}" type="datetimeFigureOut">
               <a:rPr lang="en-US" smtClean="0"/>
-              <a:t>5/3/21</a:t>
+              <a:t>5/6/21</a:t>
             </a:fld>
             <a:endParaRPr lang="en-US"/>
           </a:p>
@@ -6909,7 +6909,7 @@
           <a:p>
             <a:fld id="{7168FA93-4619-C648-B849-51A18D362EC0}" type="datetimeFigureOut">
               <a:rPr lang="en-US" smtClean="0"/>
-              <a:t>5/3/21</a:t>
+              <a:t>5/6/21</a:t>
             </a:fld>
             <a:endParaRPr lang="en-US"/>
           </a:p>
@@ -7332,7 +7332,7 @@
           <a:p>
             <a:fld id="{7168FA93-4619-C648-B849-51A18D362EC0}" type="datetimeFigureOut">
               <a:rPr lang="en-US" smtClean="0"/>
-              <a:t>5/3/21</a:t>
+              <a:t>5/6/21</a:t>
             </a:fld>
             <a:endParaRPr lang="en-US"/>
           </a:p>
@@ -7482,7 +7482,7 @@
           <a:p>
             <a:fld id="{7168FA93-4619-C648-B849-51A18D362EC0}" type="datetimeFigureOut">
               <a:rPr lang="en-US" smtClean="0"/>
-              <a:t>5/3/21</a:t>
+              <a:t>5/6/21</a:t>
             </a:fld>
             <a:endParaRPr lang="en-US"/>
           </a:p>
@@ -7603,7 +7603,7 @@
           <a:p>
             <a:fld id="{7168FA93-4619-C648-B849-51A18D362EC0}" type="datetimeFigureOut">
               <a:rPr lang="en-US" smtClean="0"/>
-              <a:t>5/3/21</a:t>
+              <a:t>5/6/21</a:t>
             </a:fld>
             <a:endParaRPr lang="en-US"/>
           </a:p>
@@ -7924,7 +7924,7 @@
           <a:p>
             <a:fld id="{7168FA93-4619-C648-B849-51A18D362EC0}" type="datetimeFigureOut">
               <a:rPr lang="en-US" smtClean="0"/>
-              <a:t>5/3/21</a:t>
+              <a:t>5/6/21</a:t>
             </a:fld>
             <a:endParaRPr lang="en-US"/>
           </a:p>
@@ -8079,7 +8079,7 @@
           <a:p>
             <a:fld id="{7168FA93-4619-C648-B849-51A18D362EC0}" type="datetimeFigureOut">
               <a:rPr lang="en-US" smtClean="0"/>
-              <a:t>5/3/21</a:t>
+              <a:t>5/6/21</a:t>
             </a:fld>
             <a:endParaRPr lang="en-US"/>
           </a:p>

--- a/atac-seq/presentation/ATAC.pptx
+++ b/atac-seq/presentation/ATAC.pptx
@@ -13,19 +13,19 @@
     <p:sldId id="260" r:id="rId4"/>
     <p:sldId id="263" r:id="rId5"/>
     <p:sldId id="262" r:id="rId6"/>
-    <p:sldId id="273" r:id="rId7"/>
-    <p:sldId id="259" r:id="rId8"/>
-    <p:sldId id="264" r:id="rId9"/>
-    <p:sldId id="271" r:id="rId10"/>
-    <p:sldId id="270" r:id="rId11"/>
-    <p:sldId id="269" r:id="rId12"/>
+    <p:sldId id="259" r:id="rId7"/>
+    <p:sldId id="264" r:id="rId8"/>
+    <p:sldId id="271" r:id="rId9"/>
+    <p:sldId id="270" r:id="rId10"/>
+    <p:sldId id="269" r:id="rId11"/>
+    <p:sldId id="280" r:id="rId12"/>
     <p:sldId id="272" r:id="rId13"/>
     <p:sldId id="274" r:id="rId14"/>
     <p:sldId id="266" r:id="rId15"/>
     <p:sldId id="268" r:id="rId16"/>
     <p:sldId id="276" r:id="rId17"/>
     <p:sldId id="277" r:id="rId18"/>
-    <p:sldId id="267" r:id="rId19"/>
+    <p:sldId id="281" r:id="rId19"/>
   </p:sldIdLst>
   <p:sldSz cx="12192000" cy="6858000"/>
   <p:notesSz cx="6858000" cy="9144000"/>
@@ -2951,7 +2951,7 @@
           <a:p>
             <a:fld id="{D4AB707C-77ED-1B4C-9286-18A51BB6D1BD}" type="datetimeFigureOut">
               <a:rPr lang="en-US" smtClean="0"/>
-              <a:t>5/6/21</a:t>
+              <a:t>5/11/21</a:t>
             </a:fld>
             <a:endParaRPr lang="en-US"/>
           </a:p>
@@ -3265,13 +3265,25 @@
           <a:p>
             <a:r>
               <a:rPr lang="en-US" dirty="0"/>
-              <a:t>Hello Everyone and welcome to the ATAC-seq section of the course. We start with a quick recap on epigenetic regulation, then move on to the importance of open chromatin, followed by an explanation of ATAC-seq. Use cases and qualities come after, and we finish with two ways to do quality control of our data sets.</a:t>
+              <a:t>Hello Everyone and welcome to the ATAC-seq section of the course. </a:t>
             </a:r>
           </a:p>
           <a:p>
             <a:r>
               <a:rPr lang="en-US" dirty="0"/>
-              <a:t>In the exercise section after we will put what we learned to use.</a:t>
+              <a:t>We start with a quick recap on epigenetic regulation, then move on to the importance of open chromatin, followed by an explanation of how ATAC-seq works. </a:t>
+            </a:r>
+          </a:p>
+          <a:p>
+            <a:r>
+              <a:rPr lang="en-US" dirty="0"/>
+              <a:t>Use cases, comparison of ATAC-seq to other open chromatin detection methods, and what defines a good ATAC-seq experiment  comes after. </a:t>
+            </a:r>
+          </a:p>
+          <a:p>
+            <a:r>
+              <a:rPr lang="en-US" dirty="0"/>
+              <a:t>To finish it off, we look at two ways to do quality control of our data sets.</a:t>
             </a:r>
           </a:p>
         </p:txBody>
@@ -3358,52 +3370,109 @@
           <a:p>
             <a:r>
               <a:rPr lang="en-US" dirty="0"/>
-              <a:t>Something else that is worth mentioning: the fragment length coming out of  ATAC-seq experiments.</a:t>
+              <a:t>Common use cases.</a:t>
             </a:r>
           </a:p>
           <a:p>
             <a:r>
               <a:rPr lang="en-US" dirty="0"/>
-              <a:t>An abundance of short fragments that represents cases where you have two transposases cut between nucleosomes, which is represented by the two arrows on the left. </a:t>
+              <a:t>ATAC-seq is primarily used for mapping of regions of open chromatin across the genome.</a:t>
             </a:r>
           </a:p>
           <a:p>
             <a:r>
               <a:rPr lang="en-US" dirty="0"/>
-              <a:t>Quite often you see a mono nucleosome peak, that represents cases where you get one cut on either side of a nucleosome.</a:t>
-            </a:r>
-          </a:p>
-          <a:p>
+              <a:t>Less common use cases are mapping nucleosome positions and transcription factor </a:t>
+            </a:r>
+            <a:r>
+              <a:rPr lang="en-US" dirty="0" err="1"/>
+              <a:t>footprinting</a:t>
+            </a:r>
             <a:r>
               <a:rPr lang="en-US" dirty="0"/>
-              <a:t>This is indicated by the single arrow.</a:t>
-            </a:r>
+              <a:t>. </a:t>
+            </a:r>
+          </a:p>
+          <a:p>
+            <a:endParaRPr lang="en-US" dirty="0"/>
           </a:p>
           <a:p>
             <a:r>
               <a:rPr lang="en-US" dirty="0"/>
-              <a:t>You get enough DNA to wrap around a nucleosome and a little bit of flanking sequence.</a:t>
+              <a:t>An example of the later is shown here.</a:t>
             </a:r>
           </a:p>
           <a:p>
             <a:r>
               <a:rPr lang="en-US" dirty="0"/>
-              <a:t>The same goes for the third and forth bump, 400 and 600bp fragment length.</a:t>
-            </a:r>
-          </a:p>
-          <a:p>
-            <a:r>
-              <a:rPr lang="en-US" dirty="0"/>
-              <a:t>This pattern is expected for most ATAC-seq experiments. </a:t>
-            </a:r>
-          </a:p>
-          <a:p>
-            <a:r>
-              <a:rPr lang="en-US" dirty="0"/>
-              <a:t>A large difference in this pattern usually indicates a problem with the experiment.</a:t>
-            </a:r>
-          </a:p>
-          <a:p>
+              <a:t>We can see how a bound transcription factor influences the pile-up of the sequenced reads.</a:t>
+            </a:r>
+          </a:p>
+          <a:p>
+            <a:r>
+              <a:rPr lang="en-GB" sz="1200" b="0" i="0" kern="1200" dirty="0">
+                <a:solidFill>
+                  <a:schemeClr val="tx1"/>
+                </a:solidFill>
+                <a:effectLst/>
+                <a:latin typeface="+mn-lt"/>
+                <a:ea typeface="+mn-ea"/>
+                <a:cs typeface="+mn-cs"/>
+              </a:rPr>
+              <a:t>Tn5 transposase cleaves DNA and inserts sequencing adapters, but it is unable to cut chromatin occupied by proteins such as nucleosomes (</a:t>
+            </a:r>
+            <a:r>
+              <a:rPr lang="en-GB" sz="1200" b="0" i="0" kern="1200" dirty="0" err="1">
+                <a:solidFill>
+                  <a:schemeClr val="tx1"/>
+                </a:solidFill>
+                <a:effectLst/>
+                <a:latin typeface="+mn-lt"/>
+                <a:ea typeface="+mn-ea"/>
+                <a:cs typeface="+mn-cs"/>
+              </a:rPr>
+              <a:t>gray</a:t>
+            </a:r>
+            <a:r>
+              <a:rPr lang="en-GB" sz="1200" b="0" i="0" kern="1200" dirty="0">
+                <a:solidFill>
+                  <a:schemeClr val="tx1"/>
+                </a:solidFill>
+                <a:effectLst/>
+                <a:latin typeface="+mn-lt"/>
+                <a:ea typeface="+mn-ea"/>
+                <a:cs typeface="+mn-cs"/>
+              </a:rPr>
+              <a:t>) and other DNA binding proteins e.g., transcription factors (blue). </a:t>
+            </a:r>
+          </a:p>
+          <a:p>
+            <a:r>
+              <a:rPr lang="en-GB" sz="1200" b="0" i="0" kern="1200" dirty="0">
+                <a:solidFill>
+                  <a:schemeClr val="tx1"/>
+                </a:solidFill>
+                <a:effectLst/>
+                <a:latin typeface="+mn-lt"/>
+                <a:ea typeface="+mn-ea"/>
+                <a:cs typeface="+mn-cs"/>
+              </a:rPr>
+              <a:t>Sequencing libraries of DNA fragments are sequenced to yield reads (green, middle). </a:t>
+            </a:r>
+          </a:p>
+          <a:p>
+            <a:r>
+              <a:rPr lang="en-GB" sz="1200" b="0" i="0" kern="1200" dirty="0">
+                <a:solidFill>
+                  <a:schemeClr val="tx1"/>
+                </a:solidFill>
+                <a:effectLst/>
+                <a:latin typeface="+mn-lt"/>
+                <a:ea typeface="+mn-ea"/>
+                <a:cs typeface="+mn-cs"/>
+              </a:rPr>
+              <a:t>During analysis, each read is mapped to the genome and used to create a signal of single Tn5 insertion event (black bars), in which the binding of protein is visible as depletion of the signal, and that is defined as the footprint.</a:t>
+            </a:r>
             <a:endParaRPr lang="en-US" dirty="0"/>
           </a:p>
         </p:txBody>
@@ -3434,7 +3503,7 @@
     </p:spTree>
     <p:extLst>
       <p:ext uri="{BB962C8B-B14F-4D97-AF65-F5344CB8AC3E}">
-        <p14:creationId xmlns:p14="http://schemas.microsoft.com/office/powerpoint/2010/main" val="3859745624"/>
+        <p14:creationId xmlns:p14="http://schemas.microsoft.com/office/powerpoint/2010/main" val="1484981361"/>
       </p:ext>
     </p:extLst>
   </p:cSld>
@@ -3489,41 +3558,6 @@
           <a:lstStyle/>
           <a:p>
             <a:r>
-              <a:rPr lang="en-US" dirty="0"/>
-              <a:t>ATAC-seq is primarily used for mapping of regions of open chromatin across the genome.</a:t>
-            </a:r>
-          </a:p>
-          <a:p>
-            <a:r>
-              <a:rPr lang="en-US" dirty="0"/>
-              <a:t>Less common use cases are mapping nucleosome positions and transcription factor </a:t>
-            </a:r>
-            <a:r>
-              <a:rPr lang="en-US" dirty="0" err="1"/>
-              <a:t>footprinting</a:t>
-            </a:r>
-            <a:r>
-              <a:rPr lang="en-US" dirty="0"/>
-              <a:t>. </a:t>
-            </a:r>
-          </a:p>
-          <a:p>
-            <a:endParaRPr lang="en-US" dirty="0"/>
-          </a:p>
-          <a:p>
-            <a:r>
-              <a:rPr lang="en-US" dirty="0"/>
-              <a:t>An example of the later is shown here.</a:t>
-            </a:r>
-          </a:p>
-          <a:p>
-            <a:r>
-              <a:rPr lang="en-US" dirty="0"/>
-              <a:t>We can see how a bound transcription factor influences the pile-up of the sequenced reads.</a:t>
-            </a:r>
-          </a:p>
-          <a:p>
-            <a:r>
               <a:rPr lang="en-GB" sz="1200" b="0" i="0" kern="1200" dirty="0">
                 <a:solidFill>
                   <a:schemeClr val="tx1"/>
@@ -3533,7 +3567,7 @@
                 <a:ea typeface="+mn-ea"/>
                 <a:cs typeface="+mn-cs"/>
               </a:rPr>
-              <a:t>Tn5 transposase cleaves DNA and inserts sequencing adapters, but is unable to cut chromatin occupied by proteins such as nucleosomes (</a:t>
+              <a:t>A comparison of ATAC-</a:t>
             </a:r>
             <a:r>
               <a:rPr lang="en-GB" sz="1200" b="0" i="0" kern="1200" dirty="0" err="1">
@@ -3545,7 +3579,7 @@
                 <a:ea typeface="+mn-ea"/>
                 <a:cs typeface="+mn-cs"/>
               </a:rPr>
-              <a:t>gray</a:t>
+              <a:t>seq</a:t>
             </a:r>
             <a:r>
               <a:rPr lang="en-GB" sz="1200" b="0" i="0" kern="1200" dirty="0">
@@ -3557,7 +3591,7 @@
                 <a:ea typeface="+mn-ea"/>
                 <a:cs typeface="+mn-cs"/>
               </a:rPr>
-              <a:t>) and other DNA binding proteins e.g., transcription factors (blue). </a:t>
+              <a:t> to other open chromatin detection method.</a:t>
             </a:r>
           </a:p>
           <a:p>
@@ -3571,7 +3605,7 @@
                 <a:ea typeface="+mn-ea"/>
                 <a:cs typeface="+mn-cs"/>
               </a:rPr>
-              <a:t>Sequencing libraries of DNA fragments are sequenced to yield reads (green). </a:t>
+              <a:t>The first thing which jumps to the eye is the lower starting material, and reduced preparation time compared to the other methods. </a:t>
             </a:r>
           </a:p>
           <a:p>
@@ -3585,7 +3619,229 @@
                 <a:ea typeface="+mn-ea"/>
                 <a:cs typeface="+mn-cs"/>
               </a:rPr>
-              <a:t>During analysis, each read is mapped to the genome and used to create a signal of single Tn5 insertion events (black bars), in which binding of protein is visible as depletion of the signal, defined as the footprint</a:t>
+              <a:t>Especially the preparation step is costly as it requires a technician.</a:t>
+            </a:r>
+          </a:p>
+          <a:p>
+            <a:endParaRPr lang="en-GB" sz="1200" b="0" i="0" kern="1200" dirty="0">
+              <a:solidFill>
+                <a:schemeClr val="tx1"/>
+              </a:solidFill>
+              <a:effectLst/>
+              <a:latin typeface="+mn-lt"/>
+              <a:ea typeface="+mn-ea"/>
+              <a:cs typeface="+mn-cs"/>
+            </a:endParaRPr>
+          </a:p>
+          <a:p>
+            <a:r>
+              <a:rPr lang="en-GB" sz="1200" b="0" i="0" kern="1200" dirty="0">
+                <a:solidFill>
+                  <a:schemeClr val="tx1"/>
+                </a:solidFill>
+                <a:effectLst/>
+                <a:latin typeface="+mn-lt"/>
+                <a:ea typeface="+mn-ea"/>
+                <a:cs typeface="+mn-cs"/>
+              </a:rPr>
+              <a:t>Looking the signal we see that  ATAC-</a:t>
+            </a:r>
+            <a:r>
+              <a:rPr lang="en-GB" sz="1200" b="0" i="0" kern="1200" dirty="0" err="1">
+                <a:solidFill>
+                  <a:schemeClr val="tx1"/>
+                </a:solidFill>
+                <a:effectLst/>
+                <a:latin typeface="+mn-lt"/>
+                <a:ea typeface="+mn-ea"/>
+                <a:cs typeface="+mn-cs"/>
+              </a:rPr>
+              <a:t>seq</a:t>
+            </a:r>
+            <a:r>
+              <a:rPr lang="en-GB" sz="1200" b="0" i="0" kern="1200" dirty="0">
+                <a:solidFill>
+                  <a:schemeClr val="tx1"/>
+                </a:solidFill>
+                <a:effectLst/>
+                <a:latin typeface="+mn-lt"/>
+                <a:ea typeface="+mn-ea"/>
+                <a:cs typeface="+mn-cs"/>
+              </a:rPr>
+              <a:t> has a signal-to-noise ratio similar to DNase-</a:t>
+            </a:r>
+            <a:r>
+              <a:rPr lang="en-GB" sz="1200" b="0" i="0" kern="1200" dirty="0" err="1">
+                <a:solidFill>
+                  <a:schemeClr val="tx1"/>
+                </a:solidFill>
+                <a:effectLst/>
+                <a:latin typeface="+mn-lt"/>
+                <a:ea typeface="+mn-ea"/>
+                <a:cs typeface="+mn-cs"/>
+              </a:rPr>
+              <a:t>seq</a:t>
+            </a:r>
+            <a:r>
+              <a:rPr lang="en-GB" sz="1200" b="0" i="0" kern="1200" dirty="0">
+                <a:solidFill>
+                  <a:schemeClr val="tx1"/>
+                </a:solidFill>
+                <a:effectLst/>
+                <a:latin typeface="+mn-lt"/>
+                <a:ea typeface="+mn-ea"/>
+                <a:cs typeface="+mn-cs"/>
+              </a:rPr>
+              <a:t>, but again, it is important to remember that </a:t>
+            </a:r>
+            <a:r>
+              <a:rPr lang="en-GB" sz="1200" b="0" i="0" kern="1200" dirty="0" err="1">
+                <a:solidFill>
+                  <a:schemeClr val="tx1"/>
+                </a:solidFill>
+                <a:effectLst/>
+                <a:latin typeface="+mn-lt"/>
+                <a:ea typeface="+mn-ea"/>
+                <a:cs typeface="+mn-cs"/>
+              </a:rPr>
+              <a:t>DNAase-seq</a:t>
+            </a:r>
+            <a:r>
+              <a:rPr lang="en-GB" sz="1200" b="0" i="0" kern="1200" dirty="0">
+                <a:solidFill>
+                  <a:schemeClr val="tx1"/>
+                </a:solidFill>
+                <a:effectLst/>
+                <a:latin typeface="+mn-lt"/>
+                <a:ea typeface="+mn-ea"/>
+                <a:cs typeface="+mn-cs"/>
+              </a:rPr>
+              <a:t> needs generated from approximately 3 to 5 orders-of-magnitude more cells.</a:t>
+            </a:r>
+          </a:p>
+          <a:p>
+            <a:pPr marL="0" marR="0" lvl="0" indent="0" algn="l" defTabSz="914400" rtl="0" eaLnBrk="1" fontAlgn="auto" latinLnBrk="0" hangingPunct="1">
+              <a:lnSpc>
+                <a:spcPct val="100000"/>
+              </a:lnSpc>
+              <a:spcBef>
+                <a:spcPts val="0"/>
+              </a:spcBef>
+              <a:spcAft>
+                <a:spcPts val="0"/>
+              </a:spcAft>
+              <a:buClrTx/>
+              <a:buSzTx/>
+              <a:buFontTx/>
+              <a:buNone/>
+              <a:tabLst/>
+              <a:defRPr/>
+            </a:pPr>
+            <a:r>
+              <a:rPr lang="en-GB" sz="1200" b="0" i="0" kern="1200" dirty="0">
+                <a:solidFill>
+                  <a:schemeClr val="tx1"/>
+                </a:solidFill>
+                <a:effectLst/>
+                <a:latin typeface="+mn-lt"/>
+                <a:ea typeface="+mn-ea"/>
+                <a:cs typeface="+mn-cs"/>
+              </a:rPr>
+              <a:t>Lower ATAC-</a:t>
+            </a:r>
+            <a:r>
+              <a:rPr lang="en-GB" sz="1200" b="0" i="0" kern="1200" dirty="0" err="1">
+                <a:solidFill>
+                  <a:schemeClr val="tx1"/>
+                </a:solidFill>
+                <a:effectLst/>
+                <a:latin typeface="+mn-lt"/>
+                <a:ea typeface="+mn-ea"/>
+                <a:cs typeface="+mn-cs"/>
+              </a:rPr>
+              <a:t>seq</a:t>
+            </a:r>
+            <a:r>
+              <a:rPr lang="en-GB" sz="1200" b="0" i="0" kern="1200" dirty="0">
+                <a:solidFill>
+                  <a:schemeClr val="tx1"/>
+                </a:solidFill>
+                <a:effectLst/>
+                <a:latin typeface="+mn-lt"/>
+                <a:ea typeface="+mn-ea"/>
+                <a:cs typeface="+mn-cs"/>
+              </a:rPr>
+              <a:t> track was generated from 500 FACS-sorted cells.</a:t>
+            </a:r>
+          </a:p>
+          <a:p>
+            <a:endParaRPr lang="en-GB" sz="1200" b="0" i="0" kern="1200" baseline="30000" dirty="0">
+              <a:solidFill>
+                <a:schemeClr val="tx1"/>
+              </a:solidFill>
+              <a:effectLst/>
+              <a:latin typeface="+mn-lt"/>
+              <a:ea typeface="+mn-ea"/>
+              <a:cs typeface="+mn-cs"/>
+            </a:endParaRPr>
+          </a:p>
+          <a:p>
+            <a:r>
+              <a:rPr lang="en-GB" sz="1200" b="0" i="0" kern="1200" dirty="0">
+                <a:solidFill>
+                  <a:schemeClr val="tx1"/>
+                </a:solidFill>
+                <a:effectLst/>
+                <a:latin typeface="+mn-lt"/>
+                <a:ea typeface="+mn-ea"/>
+                <a:cs typeface="+mn-cs"/>
+              </a:rPr>
+              <a:t>Peak intensities were highly reproducible between technical replicates and highly correlated between ATAC-</a:t>
+            </a:r>
+            <a:r>
+              <a:rPr lang="en-GB" sz="1200" b="0" i="0" kern="1200" dirty="0" err="1">
+                <a:solidFill>
+                  <a:schemeClr val="tx1"/>
+                </a:solidFill>
+                <a:effectLst/>
+                <a:latin typeface="+mn-lt"/>
+                <a:ea typeface="+mn-ea"/>
+                <a:cs typeface="+mn-cs"/>
+              </a:rPr>
+              <a:t>seq</a:t>
+            </a:r>
+            <a:r>
+              <a:rPr lang="en-GB" sz="1200" b="0" i="0" kern="1200" dirty="0">
+                <a:solidFill>
+                  <a:schemeClr val="tx1"/>
+                </a:solidFill>
+                <a:effectLst/>
+                <a:latin typeface="+mn-lt"/>
+                <a:ea typeface="+mn-ea"/>
+                <a:cs typeface="+mn-cs"/>
+              </a:rPr>
+              <a:t> and DNase-seq.</a:t>
+            </a:r>
+            <a:endParaRPr lang="en-US" dirty="0"/>
+          </a:p>
+          <a:p>
+            <a:endParaRPr lang="en-US" dirty="0"/>
+          </a:p>
+          <a:p>
+            <a:endParaRPr lang="en-US" dirty="0"/>
+          </a:p>
+          <a:p>
+            <a:r>
+              <a:rPr lang="en-GB" sz="1200" b="0" i="0" kern="1200" dirty="0">
+                <a:solidFill>
+                  <a:schemeClr val="tx1"/>
+                </a:solidFill>
+                <a:effectLst/>
+                <a:latin typeface="+mn-lt"/>
+                <a:ea typeface="+mn-ea"/>
+                <a:cs typeface="+mn-cs"/>
+              </a:rPr>
+              <a:t>assays at a locus in GM12878 lymphoblastoid cells displaying high concordance</a:t>
             </a:r>
             <a:endParaRPr lang="en-US" dirty="0"/>
           </a:p>
@@ -3617,7 +3873,7 @@
     </p:spTree>
     <p:extLst>
       <p:ext uri="{BB962C8B-B14F-4D97-AF65-F5344CB8AC3E}">
-        <p14:creationId xmlns:p14="http://schemas.microsoft.com/office/powerpoint/2010/main" val="1484981361"/>
+        <p14:creationId xmlns:p14="http://schemas.microsoft.com/office/powerpoint/2010/main" val="3656046255"/>
       </p:ext>
     </p:extLst>
   </p:cSld>
@@ -4034,7 +4290,7 @@
           <a:p>
             <a:r>
               <a:rPr lang="en-US" b="0" dirty="0"/>
-              <a:t>The idea is that</a:t>
+              <a:t>Ataqv is another tool often used.</a:t>
             </a:r>
           </a:p>
           <a:p>
@@ -4402,7 +4658,37 @@
           <a:p>
             <a:r>
               <a:rPr lang="en-US" dirty="0"/>
-              <a:t>The genome is like the hardware of a computer. Every cell comes with the same motherboard, the same CPU, RAM, hard drive etc. This is of course the DNA. The program running on top of this hardware is encoded in the protein and DNA interaction. The way DNA is folded and compacted in the nucleus defines which parts of the program are run.</a:t>
+              <a:t>As a bioinformatician it is my task to merge biology and computers, and you can also see epigenetics as a computer. </a:t>
+            </a:r>
+          </a:p>
+          <a:p>
+            <a:r>
+              <a:rPr lang="en-US" dirty="0"/>
+              <a:t>The genome is like the hardware. </a:t>
+            </a:r>
+          </a:p>
+          <a:p>
+            <a:r>
+              <a:rPr lang="en-US" dirty="0"/>
+              <a:t>Every cell comes with the same motherboard, the same CPU, RAM, hard drive etc. </a:t>
+            </a:r>
+          </a:p>
+          <a:p>
+            <a:r>
+              <a:rPr lang="en-US" dirty="0"/>
+              <a:t>This is of course the DNA. </a:t>
+            </a:r>
+          </a:p>
+          <a:p>
+            <a:r>
+              <a:rPr lang="en-US" dirty="0"/>
+              <a:t>The program running on top of this hardware is encoded in the protein and DNA interaction. </a:t>
+            </a:r>
+          </a:p>
+          <a:p>
+            <a:r>
+              <a:rPr lang="en-US" dirty="0"/>
+              <a:t>The way DNA is folded and compacted in the nucleus defines which parts of the program are run.</a:t>
             </a:r>
           </a:p>
         </p:txBody>
@@ -4489,19 +4775,43 @@
           <a:p>
             <a:r>
               <a:rPr lang="en-GB" dirty="0"/>
+              <a:t>It feels wrong to have an epigenetic talk without showing DNA packing.</a:t>
+            </a:r>
+          </a:p>
+          <a:p>
+            <a:r>
+              <a:rPr lang="en-GB" dirty="0"/>
+              <a:t>I tried to shake things up a bit though by not using the standard ENCODE slide, this one is from the Roadmap Epigenomics project.</a:t>
+            </a:r>
+          </a:p>
+          <a:p>
+            <a:r>
+              <a:rPr lang="en-GB" dirty="0"/>
               <a:t>Eukaryotic genomes are hierarchically packaged into chromatin, and the nature of this packaging plays a central role in gene regulation. </a:t>
             </a:r>
           </a:p>
           <a:p>
             <a:r>
+              <a:rPr lang="en-GB" dirty="0"/>
+              <a:t>2m DNA folded in a 5 micron nucleus, this is something that  still fascinates me.</a:t>
+            </a:r>
+          </a:p>
+          <a:p>
+            <a:r>
               <a:rPr lang="en-US" dirty="0"/>
-              <a:t>Folding is a memory. Different aspects in the genome, like for example regulatory elements of the DNA, are more, less, or not at all accessible to the transcriptional machinery or to the  binding of transcription factors. </a:t>
+              <a:t>Folding is a memory. </a:t>
             </a:r>
           </a:p>
           <a:p>
             <a:r>
               <a:rPr lang="en-US" dirty="0"/>
-              <a:t>This all depends on the type and/or the state of cell. </a:t>
+              <a:t>Different aspects in the genome, like for example regulatory elements of the DNA, are more, less, or not at all accessible to the transcriptional machinery or to the  binding of transcription factors. </a:t>
+            </a:r>
+          </a:p>
+          <a:p>
+            <a:r>
+              <a:rPr lang="en-US" dirty="0"/>
+              <a:t>This all depends on the type and/or the state of a cell. </a:t>
             </a:r>
           </a:p>
           <a:p>
@@ -4594,19 +4904,19 @@
           <a:p>
             <a:r>
               <a:rPr lang="en-US" dirty="0"/>
-              <a:t>As mentioned before, the genome is the same in all cells, but different regulatory elements like enhancers or promoters are active. </a:t>
+              <a:t>The genomic sequence is mostly the same in all cells, but different regulatory elements like enhancers or promoters are active. </a:t>
             </a:r>
           </a:p>
           <a:p>
             <a:r>
               <a:rPr lang="en-US" dirty="0"/>
-              <a:t>They can be combinatorial on and off in different cells, and drive different gene expression programs. </a:t>
+              <a:t>They can be combinatorial on and off in different cells and drive different gene expression programs. </a:t>
             </a:r>
           </a:p>
           <a:p>
             <a:r>
               <a:rPr lang="en-US" dirty="0"/>
-              <a:t>These regulatory elements are in turn driven by things like transcription factors which bind to specific motifs in the enhancer and maintain accessibility and drive expression.</a:t>
+              <a:t>These regulatory elements are in turn driven by things like transcription factors which bind to specific motifs in the enhancer and maintain accessibility and drive gene expression.</a:t>
             </a:r>
           </a:p>
         </p:txBody>
@@ -4693,7 +5003,7 @@
           <a:p>
             <a:r>
               <a:rPr lang="en-US" dirty="0"/>
-              <a:t>On way to look at this is through the lens of accessibility.  </a:t>
+              <a:t>One way to look at this  is through the lens of accessibility.  </a:t>
             </a:r>
           </a:p>
           <a:p>
@@ -4705,13 +5015,33 @@
           <a:p>
             <a:r>
               <a:rPr lang="en-US" dirty="0"/>
-              <a:t>These accessible elements have the potential to be regulatory, where inaccessible elements which are not bindable by transcription factors are likely off. </a:t>
+              <a:t>These accessible elements have the potential to be regulatory (”on”), whereby inaccessible elements which are not bindable by transcription factors are likely off. </a:t>
             </a:r>
           </a:p>
           <a:p>
             <a:r>
               <a:rPr lang="en-US" dirty="0"/>
-              <a:t>A very familiar concept to any computer scientist – is the light off or on,  0 or 1?</a:t>
+              <a:t>A very familiar concept to any computer scientist – is the light on or off,  0 or 1?</a:t>
+            </a:r>
+          </a:p>
+          <a:p>
+            <a:r>
+              <a:rPr lang="en-US" dirty="0"/>
+              <a:t>Sounds </a:t>
+            </a:r>
+            <a:r>
+              <a:rPr lang="en-US" dirty="0" err="1"/>
+              <a:t>kinda</a:t>
+            </a:r>
+            <a:r>
+              <a:rPr lang="en-US" dirty="0"/>
+              <a:t> important, doesn't it?</a:t>
+            </a:r>
+          </a:p>
+          <a:p>
+            <a:r>
+              <a:rPr lang="en-US" dirty="0"/>
+              <a:t>So, how can we locate accessible areas in the genome?</a:t>
             </a:r>
           </a:p>
         </p:txBody>
@@ -4797,57 +5127,35 @@
           <a:lstStyle/>
           <a:p>
             <a:r>
+              <a:rPr lang="en-GB" dirty="0"/>
+              <a:t>The method of choice at the moment is the Assay of Transposase Accessible Chromatin sequencing.</a:t>
+            </a:r>
+          </a:p>
+          <a:p>
+            <a:pPr marL="0" marR="0" lvl="0" indent="0" algn="l" defTabSz="914400" rtl="0" eaLnBrk="1" fontAlgn="auto" latinLnBrk="0" hangingPunct="1">
+              <a:lnSpc>
+                <a:spcPct val="100000"/>
+              </a:lnSpc>
+              <a:spcBef>
+                <a:spcPts val="0"/>
+              </a:spcBef>
+              <a:spcAft>
+                <a:spcPts val="0"/>
+              </a:spcAft>
+              <a:buClrTx/>
+              <a:buSzTx/>
+              <a:buFontTx/>
+              <a:buNone/>
+              <a:tabLst/>
+              <a:defRPr/>
+            </a:pPr>
+            <a:r>
               <a:rPr lang="en-US" dirty="0"/>
-              <a:t>This is the world's most naive model of gene regulation.</a:t>
-            </a:r>
-          </a:p>
-          <a:p>
-            <a:r>
-              <a:rPr lang="en-US" dirty="0"/>
-              <a:t>In each one of your cells, you have  two meters of DNA, and it is  not free floating in the nucleus, it is really tightly packed around these proteins which are called histones.</a:t>
-            </a:r>
-          </a:p>
-          <a:p>
-            <a:r>
-              <a:rPr lang="en-US" dirty="0"/>
-              <a:t>If your DNA is represented by this string (the dotted line), it is wrapped up around blue histone proteins and the complex of the two is called chromatin.</a:t>
-            </a:r>
-          </a:p>
-          <a:p>
-            <a:r>
-              <a:rPr lang="en-US" dirty="0"/>
-              <a:t>There is no space for any proteins to bind to the DNA.</a:t>
-            </a:r>
-          </a:p>
-          <a:p>
-            <a:r>
-              <a:rPr lang="en-US" dirty="0"/>
-              <a:t>In order to turn on and regulate gene expression,  the DNA needs to be unpacked so it is accessible for other non-histone proteins.</a:t>
-            </a:r>
-          </a:p>
-          <a:p>
-            <a:r>
-              <a:rPr lang="en-US" dirty="0"/>
-              <a:t>These other proteins are mostly transcription factors, and the areas where they bind is mostly right in front of genes.</a:t>
-            </a:r>
-          </a:p>
-          <a:p>
-            <a:r>
-              <a:rPr lang="en-US" dirty="0"/>
-              <a:t>Therefore: Knowing where the DNA is accessible for transcription factor binding is important.</a:t>
-            </a:r>
-          </a:p>
-          <a:p>
-            <a:r>
-              <a:rPr lang="en-US" dirty="0"/>
-              <a:t>There are a few high-throughput assays which are able to identify areas of open chromatin.</a:t>
-            </a:r>
-          </a:p>
-          <a:p>
-            <a:r>
-              <a:rPr lang="en-US" dirty="0"/>
-              <a:t>The most modern and preferred one these days is…</a:t>
-            </a:r>
+              <a:t>How does it work?</a:t>
+            </a:r>
+          </a:p>
+          <a:p>
+            <a:endParaRPr lang="en-GB" dirty="0"/>
           </a:p>
         </p:txBody>
       </p:sp>
@@ -4877,7 +5185,7 @@
     </p:spTree>
     <p:extLst>
       <p:ext uri="{BB962C8B-B14F-4D97-AF65-F5344CB8AC3E}">
-        <p14:creationId xmlns:p14="http://schemas.microsoft.com/office/powerpoint/2010/main" val="3692387329"/>
+        <p14:creationId xmlns:p14="http://schemas.microsoft.com/office/powerpoint/2010/main" val="1397358963"/>
       </p:ext>
     </p:extLst>
   </p:cSld>
@@ -4931,7 +5239,75 @@
           <a:bodyPr/>
           <a:lstStyle/>
           <a:p>
-            <a:endParaRPr lang="en-GB" dirty="0"/>
+            <a:r>
+              <a:rPr lang="en-US" dirty="0"/>
+              <a:t>First you isolate nuclei and obtain intact chromatin. </a:t>
+            </a:r>
+          </a:p>
+          <a:p>
+            <a:r>
+              <a:rPr lang="en-US" dirty="0"/>
+              <a:t>You then expose this intact chromatin to Tn5 Transposase which is </a:t>
+            </a:r>
+            <a:r>
+              <a:rPr lang="en-GB" dirty="0"/>
+              <a:t>loaded in vitro with adaptors for high-throughput DNA sequencing. </a:t>
+            </a:r>
+          </a:p>
+          <a:p>
+            <a:r>
+              <a:rPr lang="en-GB" dirty="0"/>
+              <a:t>The process of loading Tn5 with sequence adaptors is called </a:t>
+            </a:r>
+            <a:r>
+              <a:rPr lang="en-GB" dirty="0" err="1"/>
+              <a:t>tagmentation</a:t>
+            </a:r>
+            <a:r>
+              <a:rPr lang="en-GB" dirty="0"/>
+              <a:t>.</a:t>
+            </a:r>
+          </a:p>
+          <a:p>
+            <a:r>
+              <a:rPr lang="en-GB" dirty="0"/>
+              <a:t>Tn5 can then simultaneously fragment and tag a genome with sequencing adaptors.</a:t>
+            </a:r>
+          </a:p>
+          <a:p>
+            <a:r>
+              <a:rPr lang="en-US" dirty="0"/>
+              <a:t>Wherever there was accessibility and wherever this transposase was able to bind, it generates amplifiable fragments which can be immediately </a:t>
+            </a:r>
+            <a:r>
+              <a:rPr lang="en-US" dirty="0" err="1"/>
+              <a:t>PCRed</a:t>
+            </a:r>
+            <a:r>
+              <a:rPr lang="en-US" dirty="0"/>
+              <a:t>, sequenced and aligned back to the genome.</a:t>
+            </a:r>
+          </a:p>
+          <a:p>
+            <a:r>
+              <a:rPr lang="en-US" dirty="0"/>
+              <a:t>The library prep and the assay are the same step. </a:t>
+            </a:r>
+          </a:p>
+          <a:p>
+            <a:r>
+              <a:rPr lang="en-US" dirty="0"/>
+              <a:t>It is really simple. </a:t>
+            </a:r>
+          </a:p>
+          <a:p>
+            <a:r>
+              <a:rPr lang="en-US" dirty="0"/>
+              <a:t>The joke goes that it is so simple, even a PI can do it.  </a:t>
+            </a:r>
+          </a:p>
+          <a:p>
+            <a:endParaRPr lang="en-US" dirty="0"/>
           </a:p>
         </p:txBody>
       </p:sp>
@@ -4961,7 +5337,7 @@
     </p:spTree>
     <p:extLst>
       <p:ext uri="{BB962C8B-B14F-4D97-AF65-F5344CB8AC3E}">
-        <p14:creationId xmlns:p14="http://schemas.microsoft.com/office/powerpoint/2010/main" val="1397358963"/>
+        <p14:creationId xmlns:p14="http://schemas.microsoft.com/office/powerpoint/2010/main" val="2322714263"/>
       </p:ext>
     </p:extLst>
   </p:cSld>
@@ -5015,99 +5391,28 @@
           <a:bodyPr/>
           <a:lstStyle/>
           <a:p>
-            <a:endParaRPr lang="en-US" dirty="0"/>
-          </a:p>
-          <a:p>
-            <a:endParaRPr lang="en-US" dirty="0"/>
-          </a:p>
-          <a:p>
             <a:r>
               <a:rPr lang="en-US" dirty="0"/>
-              <a:t>How does it work?</a:t>
+              <a:t>How does the alignment look like? </a:t>
             </a:r>
           </a:p>
           <a:p>
             <a:r>
               <a:rPr lang="en-US" dirty="0"/>
-              <a:t>First you isolate nuclei and obtain intact chromatin. </a:t>
+              <a:t>Shown here is an area of the genome around the Mylod1 gene which is important for muscle development. </a:t>
             </a:r>
           </a:p>
           <a:p>
             <a:r>
               <a:rPr lang="en-US" dirty="0"/>
-              <a:t>You then expose this intact chromatin to Tn5 Transposase which is </a:t>
-            </a:r>
-            <a:r>
-              <a:rPr lang="en-GB" dirty="0"/>
-              <a:t>loaded in vitro with adaptors for high-throughput DNA sequencing. </a:t>
-            </a:r>
-          </a:p>
-          <a:p>
-            <a:r>
-              <a:rPr lang="en-GB" dirty="0"/>
-              <a:t>The process of loading Tn5 with sequence adaptors is called </a:t>
-            </a:r>
-            <a:r>
-              <a:rPr lang="en-GB" dirty="0" err="1"/>
-              <a:t>tagmentation</a:t>
-            </a:r>
-            <a:r>
-              <a:rPr lang="en-GB" dirty="0"/>
-              <a:t>.</a:t>
-            </a:r>
-          </a:p>
-          <a:p>
-            <a:r>
-              <a:rPr lang="en-GB" dirty="0"/>
-              <a:t>Tn5 can then simultaneously fragment and tag a genome with sequencing adaptors.</a:t>
+              <a:t>Using ATAC-seq, we see a concentration, or pile-up, of reads right in front of the gene start.</a:t>
             </a:r>
           </a:p>
           <a:p>
             <a:r>
               <a:rPr lang="en-US" dirty="0"/>
-              <a:t>Wherever there was accessibility and wherever this transposase was able to bind, it generates amplifiable fragments which can be immediately </a:t>
-            </a:r>
-            <a:r>
-              <a:rPr lang="en-US" dirty="0" err="1"/>
-              <a:t>PCRed</a:t>
-            </a:r>
-            <a:r>
-              <a:rPr lang="en-US" dirty="0"/>
-              <a:t>, sequenced and aligned back to the genome.</a:t>
-            </a:r>
-          </a:p>
-          <a:p>
-            <a:r>
-              <a:rPr lang="en-US" dirty="0"/>
-              <a:t>The library prep and the assay are the same step. </a:t>
-            </a:r>
-          </a:p>
-          <a:p>
-            <a:r>
-              <a:rPr lang="en-US" dirty="0"/>
-              <a:t>It is really simple. </a:t>
-            </a:r>
-          </a:p>
-          <a:p>
-            <a:r>
-              <a:rPr lang="en-US" dirty="0"/>
-              <a:t>The joke goes that it is so simple, even a PI can do it.  </a:t>
-            </a:r>
-          </a:p>
-          <a:p>
-            <a:r>
-              <a:rPr lang="en-US" dirty="0"/>
-              <a:t>DNase-seq, which utilizes DNase I, has an additional library preparation step, and also requires a much larger number of cells to begin with (500 to 50k vs millions)</a:t>
-            </a:r>
-          </a:p>
-          <a:p>
-            <a:r>
-              <a:rPr lang="en-US" dirty="0"/>
-              <a:t>Aside from a larger number of cells, the additional library preparation  step of DNase-seq is costly as it requires a technician.</a:t>
-            </a:r>
-          </a:p>
-          <a:p>
-            <a:endParaRPr lang="en-US" dirty="0"/>
+              <a:t>This indicates that the promoter of this gene is accessible and the gene is expressed.</a:t>
+            </a:r>
           </a:p>
         </p:txBody>
       </p:sp>
@@ -5137,7 +5442,7 @@
     </p:spTree>
     <p:extLst>
       <p:ext uri="{BB962C8B-B14F-4D97-AF65-F5344CB8AC3E}">
-        <p14:creationId xmlns:p14="http://schemas.microsoft.com/office/powerpoint/2010/main" val="2322714263"/>
+        <p14:creationId xmlns:p14="http://schemas.microsoft.com/office/powerpoint/2010/main" val="2893644824"/>
       </p:ext>
     </p:extLst>
   </p:cSld>
@@ -5193,26 +5498,47 @@
           <a:p>
             <a:r>
               <a:rPr lang="en-US" dirty="0"/>
-              <a:t>How does the alignment look like? </a:t>
+              <a:t>Something else that is worth mentioning: the fragment length coming out of  ATAC-seq experiments.</a:t>
             </a:r>
           </a:p>
           <a:p>
             <a:r>
               <a:rPr lang="en-US" dirty="0"/>
-              <a:t>Shown here is an area of the genome around the Mylod1 gene which is important for muscle development. </a:t>
+              <a:t>The two arrows on the left indicate the majority of results, an abundance of short fragments that represents cases where you have two transposases cut between nucleosomes.</a:t>
             </a:r>
           </a:p>
           <a:p>
             <a:r>
               <a:rPr lang="en-US" dirty="0"/>
-              <a:t>Using ATAC-seq, we see a concentration, or pile-up, of reads right in front of the gene start.</a:t>
+              <a:t>Quite often you see a mono-nucleosome peak, that represents cases where you get one cut on either side of a nucleosome.</a:t>
             </a:r>
           </a:p>
           <a:p>
             <a:r>
               <a:rPr lang="en-US" dirty="0"/>
-              <a:t>This indicates that the promoter of this gene is accessible and the gene is expressed.</a:t>
-            </a:r>
+              <a:t>This is indicated by the single arrow on the right.</a:t>
+            </a:r>
+          </a:p>
+          <a:p>
+            <a:r>
+              <a:rPr lang="en-US" dirty="0"/>
+              <a:t>The read length is  the DNA that is wrapped around a nucleosome and a little bit of flanking sequence.</a:t>
+            </a:r>
+          </a:p>
+          <a:p>
+            <a:r>
+              <a:rPr lang="en-US" dirty="0"/>
+              <a:t>The same goes for the third and forth bump, 400 and 600bp fragment length.</a:t>
+            </a:r>
+          </a:p>
+          <a:p>
+            <a:r>
+              <a:rPr lang="en-US" dirty="0"/>
+              <a:t>This pattern is expected for most ATAC-seq experiments and often used as a step in quality control, as a large difference usually indicates a problem with the experiment.</a:t>
+            </a:r>
+          </a:p>
+          <a:p>
+            <a:endParaRPr lang="en-US" dirty="0"/>
           </a:p>
         </p:txBody>
       </p:sp>
@@ -5242,7 +5568,7 @@
     </p:spTree>
     <p:extLst>
       <p:ext uri="{BB962C8B-B14F-4D97-AF65-F5344CB8AC3E}">
-        <p14:creationId xmlns:p14="http://schemas.microsoft.com/office/powerpoint/2010/main" val="2893644824"/>
+        <p14:creationId xmlns:p14="http://schemas.microsoft.com/office/powerpoint/2010/main" val="3859745624"/>
       </p:ext>
     </p:extLst>
   </p:cSld>
@@ -5409,7 +5735,7 @@
           <a:p>
             <a:fld id="{7168FA93-4619-C648-B849-51A18D362EC0}" type="datetimeFigureOut">
               <a:rPr lang="en-US" smtClean="0"/>
-              <a:t>5/6/21</a:t>
+              <a:t>5/11/21</a:t>
             </a:fld>
             <a:endParaRPr lang="en-US"/>
           </a:p>
@@ -5710,7 +6036,7 @@
           <a:p>
             <a:fld id="{7168FA93-4619-C648-B849-51A18D362EC0}" type="datetimeFigureOut">
               <a:rPr lang="en-US" smtClean="0"/>
-              <a:t>5/6/21</a:t>
+              <a:t>5/11/21</a:t>
             </a:fld>
             <a:endParaRPr lang="en-US"/>
           </a:p>
@@ -5918,7 +6244,7 @@
           <a:p>
             <a:fld id="{7168FA93-4619-C648-B849-51A18D362EC0}" type="datetimeFigureOut">
               <a:rPr lang="en-US" smtClean="0"/>
-              <a:t>5/6/21</a:t>
+              <a:t>5/11/21</a:t>
             </a:fld>
             <a:endParaRPr lang="en-US"/>
           </a:p>
@@ -6136,7 +6462,7 @@
           <a:p>
             <a:fld id="{7168FA93-4619-C648-B849-51A18D362EC0}" type="datetimeFigureOut">
               <a:rPr lang="en-US" smtClean="0"/>
-              <a:t>5/6/21</a:t>
+              <a:t>5/11/21</a:t>
             </a:fld>
             <a:endParaRPr lang="en-US"/>
           </a:p>
@@ -6349,7 +6675,7 @@
           <a:p>
             <a:fld id="{7168FA93-4619-C648-B849-51A18D362EC0}" type="datetimeFigureOut">
               <a:rPr lang="en-US" smtClean="0"/>
-              <a:t>5/6/21</a:t>
+              <a:t>5/11/21</a:t>
             </a:fld>
             <a:endParaRPr lang="en-US"/>
           </a:p>
@@ -6633,7 +6959,7 @@
           <a:p>
             <a:fld id="{7168FA93-4619-C648-B849-51A18D362EC0}" type="datetimeFigureOut">
               <a:rPr lang="en-US" smtClean="0"/>
-              <a:t>5/6/21</a:t>
+              <a:t>5/11/21</a:t>
             </a:fld>
             <a:endParaRPr lang="en-US"/>
           </a:p>
@@ -6909,7 +7235,7 @@
           <a:p>
             <a:fld id="{7168FA93-4619-C648-B849-51A18D362EC0}" type="datetimeFigureOut">
               <a:rPr lang="en-US" smtClean="0"/>
-              <a:t>5/6/21</a:t>
+              <a:t>5/11/21</a:t>
             </a:fld>
             <a:endParaRPr lang="en-US"/>
           </a:p>
@@ -7332,7 +7658,7 @@
           <a:p>
             <a:fld id="{7168FA93-4619-C648-B849-51A18D362EC0}" type="datetimeFigureOut">
               <a:rPr lang="en-US" smtClean="0"/>
-              <a:t>5/6/21</a:t>
+              <a:t>5/11/21</a:t>
             </a:fld>
             <a:endParaRPr lang="en-US"/>
           </a:p>
@@ -7482,7 +7808,7 @@
           <a:p>
             <a:fld id="{7168FA93-4619-C648-B849-51A18D362EC0}" type="datetimeFigureOut">
               <a:rPr lang="en-US" smtClean="0"/>
-              <a:t>5/6/21</a:t>
+              <a:t>5/11/21</a:t>
             </a:fld>
             <a:endParaRPr lang="en-US"/>
           </a:p>
@@ -7603,7 +7929,7 @@
           <a:p>
             <a:fld id="{7168FA93-4619-C648-B849-51A18D362EC0}" type="datetimeFigureOut">
               <a:rPr lang="en-US" smtClean="0"/>
-              <a:t>5/6/21</a:t>
+              <a:t>5/11/21</a:t>
             </a:fld>
             <a:endParaRPr lang="en-US"/>
           </a:p>
@@ -7924,7 +8250,7 @@
           <a:p>
             <a:fld id="{7168FA93-4619-C648-B849-51A18D362EC0}" type="datetimeFigureOut">
               <a:rPr lang="en-US" smtClean="0"/>
-              <a:t>5/6/21</a:t>
+              <a:t>5/11/21</a:t>
             </a:fld>
             <a:endParaRPr lang="en-US"/>
           </a:p>
@@ -8079,7 +8405,7 @@
           <a:p>
             <a:fld id="{7168FA93-4619-C648-B849-51A18D362EC0}" type="datetimeFigureOut">
               <a:rPr lang="en-US" smtClean="0"/>
-              <a:t>5/6/21</a:t>
+              <a:t>5/11/21</a:t>
             </a:fld>
             <a:endParaRPr lang="en-US"/>
           </a:p>
@@ -8848,7 +9174,7 @@
           <p:cNvPr id="2" name="Title 1">
             <a:extLst>
               <a:ext uri="{FF2B5EF4-FFF2-40B4-BE49-F238E27FC236}">
-                <a16:creationId xmlns:a16="http://schemas.microsoft.com/office/drawing/2014/main" id="{F166353E-7C22-1E4B-8128-DED353471BC5}"/>
+                <a16:creationId xmlns:a16="http://schemas.microsoft.com/office/drawing/2014/main" id="{6107F6C2-68D4-A14D-99AE-F11FA8F50CFA}"/>
               </a:ext>
             </a:extLst>
           </p:cNvPr>
@@ -8859,259 +9185,110 @@
             <p:ph type="title"/>
           </p:nvPr>
         </p:nvSpPr>
-        <p:spPr/>
-        <p:txBody>
-          <a:bodyPr>
-            <a:normAutofit fontScale="90000"/>
+        <p:spPr>
+          <a:xfrm>
+            <a:off x="838200" y="265735"/>
+            <a:ext cx="10515600" cy="499579"/>
+          </a:xfrm>
+        </p:spPr>
+        <p:txBody>
+          <a:bodyPr anchor="ctr">
+            <a:noAutofit/>
           </a:bodyPr>
           <a:lstStyle/>
           <a:p>
             <a:r>
+              <a:rPr lang="en-US" sz="4000" dirty="0"/>
+              <a:t>Common use cases</a:t>
+            </a:r>
+          </a:p>
+        </p:txBody>
+      </p:sp>
+      <p:sp>
+        <p:nvSpPr>
+          <p:cNvPr id="3" name="Content Placeholder 2">
+            <a:extLst>
+              <a:ext uri="{FF2B5EF4-FFF2-40B4-BE49-F238E27FC236}">
+                <a16:creationId xmlns:a16="http://schemas.microsoft.com/office/drawing/2014/main" id="{5D45902C-A6EC-0F4C-8347-A5E16E3C23B4}"/>
+              </a:ext>
+            </a:extLst>
+          </p:cNvPr>
+          <p:cNvSpPr>
+            <a:spLocks noGrp="1"/>
+          </p:cNvSpPr>
+          <p:nvPr>
+            <p:ph sz="half" idx="1"/>
+          </p:nvPr>
+        </p:nvSpPr>
+        <p:spPr>
+          <a:xfrm>
+            <a:off x="838200" y="1825625"/>
+            <a:ext cx="5181600" cy="4351338"/>
+          </a:xfrm>
+        </p:spPr>
+        <p:txBody>
+          <a:bodyPr>
+            <a:normAutofit/>
+          </a:bodyPr>
+          <a:lstStyle/>
+          <a:p>
+            <a:r>
               <a:rPr lang="en-US" dirty="0"/>
-              <a:t>ATAC-seq</a:t>
-            </a:r>
+              <a:t>Mapping regions of open chromatin</a:t>
+            </a:r>
+          </a:p>
+          <a:p>
+            <a:r>
+              <a:rPr lang="en-US" dirty="0"/>
+              <a:t>Mapping nucleosome positions</a:t>
+            </a:r>
+          </a:p>
+          <a:p>
+            <a:r>
+              <a:rPr lang="en-US" dirty="0"/>
+              <a:t>Transcription factor </a:t>
+            </a:r>
+            <a:r>
+              <a:rPr lang="en-US" dirty="0" err="1"/>
+              <a:t>footprinting</a:t>
+            </a:r>
+            <a:endParaRPr lang="en-US" dirty="0"/>
           </a:p>
         </p:txBody>
       </p:sp>
       <p:pic>
         <p:nvPicPr>
-          <p:cNvPr id="1026" name="Picture 2" descr="page3image59526816">
-            <a:extLst>
-              <a:ext uri="{FF2B5EF4-FFF2-40B4-BE49-F238E27FC236}">
-                <a16:creationId xmlns:a16="http://schemas.microsoft.com/office/drawing/2014/main" id="{B0A3380A-5E22-274C-976F-4AA62B7065A0}"/>
+          <p:cNvPr id="13" name="Picture 12" descr="Diagram&#10;&#10;Description automatically generated">
+            <a:extLst>
+              <a:ext uri="{FF2B5EF4-FFF2-40B4-BE49-F238E27FC236}">
+                <a16:creationId xmlns:a16="http://schemas.microsoft.com/office/drawing/2014/main" id="{F5FB1A7D-2B24-B94B-835F-6985601652B2}"/>
               </a:ext>
             </a:extLst>
           </p:cNvPr>
           <p:cNvPicPr>
-            <a:picLocks noChangeAspect="1" noChangeArrowheads="1"/>
+            <a:picLocks noChangeAspect="1"/>
           </p:cNvPicPr>
           <p:nvPr/>
         </p:nvPicPr>
-        <p:blipFill>
-          <a:blip r:embed="rId3">
-            <a:extLst>
-              <a:ext uri="{28A0092B-C50C-407E-A947-70E740481C1C}">
-                <a14:useLocalDpi xmlns:a14="http://schemas.microsoft.com/office/drawing/2010/main" val="0"/>
-              </a:ext>
-            </a:extLst>
-          </a:blip>
-          <a:srcRect/>
-          <a:stretch>
-            <a:fillRect/>
-          </a:stretch>
+        <p:blipFill rotWithShape="1">
+          <a:blip r:embed="rId3"/>
+          <a:srcRect l="7322"/>
+          <a:stretch/>
         </p:blipFill>
-        <p:spPr bwMode="auto">
+        <p:spPr>
           <a:xfrm>
-            <a:off x="2249864" y="2653748"/>
-            <a:ext cx="7692271" cy="2703443"/>
+            <a:off x="1045341" y="4001294"/>
+            <a:ext cx="9745717" cy="1764018"/>
           </a:xfrm>
           <a:prstGeom prst="rect">
             <a:avLst/>
           </a:prstGeom>
-          <a:noFill/>
-          <a:extLst>
-            <a:ext uri="{909E8E84-426E-40DD-AFC4-6F175D3DCCD1}">
-              <a14:hiddenFill xmlns:a14="http://schemas.microsoft.com/office/drawing/2010/main">
-                <a:solidFill>
-                  <a:srgbClr val="FFFFFF"/>
-                </a:solidFill>
-              </a14:hiddenFill>
-            </a:ext>
-          </a:extLst>
         </p:spPr>
       </p:pic>
-      <p:pic>
-        <p:nvPicPr>
-          <p:cNvPr id="1027" name="Picture 3" descr="page4image50975200">
-            <a:extLst>
-              <a:ext uri="{FF2B5EF4-FFF2-40B4-BE49-F238E27FC236}">
-                <a16:creationId xmlns:a16="http://schemas.microsoft.com/office/drawing/2014/main" id="{DAFBF7CD-4F0A-0C49-B7F1-EE6D16F5F4B0}"/>
-              </a:ext>
-            </a:extLst>
-          </p:cNvPr>
-          <p:cNvPicPr>
-            <a:picLocks noChangeAspect="1" noChangeArrowheads="1"/>
-          </p:cNvPicPr>
-          <p:nvPr/>
-        </p:nvPicPr>
-        <p:blipFill>
-          <a:blip r:embed="rId4">
-            <a:extLst>
-              <a:ext uri="{28A0092B-C50C-407E-A947-70E740481C1C}">
-                <a14:useLocalDpi xmlns:a14="http://schemas.microsoft.com/office/drawing/2010/main" val="0"/>
-              </a:ext>
-            </a:extLst>
-          </a:blip>
-          <a:srcRect/>
-          <a:stretch>
-            <a:fillRect/>
-          </a:stretch>
-        </p:blipFill>
-        <p:spPr bwMode="auto">
-          <a:xfrm>
-            <a:off x="3552263" y="5449265"/>
-            <a:ext cx="5087471" cy="1143000"/>
-          </a:xfrm>
-          <a:prstGeom prst="rect">
-            <a:avLst/>
-          </a:prstGeom>
-          <a:noFill/>
-          <a:extLst>
-            <a:ext uri="{909E8E84-426E-40DD-AFC4-6F175D3DCCD1}">
-              <a14:hiddenFill xmlns:a14="http://schemas.microsoft.com/office/drawing/2010/main">
-                <a:solidFill>
-                  <a:srgbClr val="FFFFFF"/>
-                </a:solidFill>
-              </a14:hiddenFill>
-            </a:ext>
-          </a:extLst>
-        </p:spPr>
-      </p:pic>
-      <p:pic>
-        <p:nvPicPr>
-          <p:cNvPr id="1028" name="Picture 4" descr="page5image50923552">
-            <a:extLst>
-              <a:ext uri="{FF2B5EF4-FFF2-40B4-BE49-F238E27FC236}">
-                <a16:creationId xmlns:a16="http://schemas.microsoft.com/office/drawing/2014/main" id="{436190F4-BBC6-B04B-AC3A-26A63217B01E}"/>
-              </a:ext>
-            </a:extLst>
-          </p:cNvPr>
-          <p:cNvPicPr>
-            <a:picLocks noChangeAspect="1" noChangeArrowheads="1"/>
-          </p:cNvPicPr>
-          <p:nvPr/>
-        </p:nvPicPr>
-        <p:blipFill>
-          <a:blip r:embed="rId5">
-            <a:extLst>
-              <a:ext uri="{28A0092B-C50C-407E-A947-70E740481C1C}">
-                <a14:useLocalDpi xmlns:a14="http://schemas.microsoft.com/office/drawing/2010/main" val="0"/>
-              </a:ext>
-            </a:extLst>
-          </a:blip>
-          <a:srcRect/>
-          <a:stretch>
-            <a:fillRect/>
-          </a:stretch>
-        </p:blipFill>
-        <p:spPr bwMode="auto">
-          <a:xfrm>
-            <a:off x="6231835" y="742813"/>
-            <a:ext cx="3696966" cy="1692273"/>
-          </a:xfrm>
-          <a:prstGeom prst="rect">
-            <a:avLst/>
-          </a:prstGeom>
-          <a:noFill/>
-          <a:extLst>
-            <a:ext uri="{909E8E84-426E-40DD-AFC4-6F175D3DCCD1}">
-              <a14:hiddenFill xmlns:a14="http://schemas.microsoft.com/office/drawing/2010/main">
-                <a:solidFill>
-                  <a:srgbClr val="FFFFFF"/>
-                </a:solidFill>
-              </a14:hiddenFill>
-            </a:ext>
-          </a:extLst>
-        </p:spPr>
-      </p:pic>
-      <p:sp>
-        <p:nvSpPr>
-          <p:cNvPr id="6" name="TextBox 5">
-            <a:extLst>
-              <a:ext uri="{FF2B5EF4-FFF2-40B4-BE49-F238E27FC236}">
-                <a16:creationId xmlns:a16="http://schemas.microsoft.com/office/drawing/2014/main" id="{A29C1B62-5B6E-A94C-B607-91AF83E5E3D8}"/>
-              </a:ext>
-            </a:extLst>
-          </p:cNvPr>
-          <p:cNvSpPr txBox="1"/>
-          <p:nvPr/>
-        </p:nvSpPr>
-        <p:spPr>
-          <a:xfrm>
-            <a:off x="7914175" y="6592265"/>
-            <a:ext cx="4055919" cy="215444"/>
-          </a:xfrm>
-          <a:prstGeom prst="rect">
-            <a:avLst/>
-          </a:prstGeom>
-          <a:noFill/>
-        </p:spPr>
-        <p:txBody>
-          <a:bodyPr wrap="none" rtlCol="0">
-            <a:spAutoFit/>
-          </a:bodyPr>
-          <a:lstStyle/>
-          <a:p>
-            <a:r>
-              <a:rPr lang="en-US" sz="800" dirty="0"/>
-              <a:t>https://</a:t>
-            </a:r>
-            <a:r>
-              <a:rPr lang="en-US" sz="800" dirty="0" err="1"/>
-              <a:t>www.nature.com</a:t>
-            </a:r>
-            <a:r>
-              <a:rPr lang="en-US" sz="800" dirty="0"/>
-              <a:t>/articles/nmeth.2770?WT.feed_name=</a:t>
-            </a:r>
-            <a:r>
-              <a:rPr lang="en-US" sz="800" dirty="0" err="1"/>
-              <a:t>subjects_chromatin</a:t>
-            </a:r>
-            <a:r>
-              <a:rPr lang="en-US" sz="800" dirty="0"/>
-              <a:t>-analysis</a:t>
-            </a:r>
-          </a:p>
-        </p:txBody>
-      </p:sp>
-      <p:sp>
-        <p:nvSpPr>
-          <p:cNvPr id="3" name="TextBox 2">
-            <a:extLst>
-              <a:ext uri="{FF2B5EF4-FFF2-40B4-BE49-F238E27FC236}">
-                <a16:creationId xmlns:a16="http://schemas.microsoft.com/office/drawing/2014/main" id="{E892F42B-112E-2044-9CDB-BAA97303C7F1}"/>
-              </a:ext>
-            </a:extLst>
-          </p:cNvPr>
-          <p:cNvSpPr txBox="1"/>
-          <p:nvPr/>
-        </p:nvSpPr>
-        <p:spPr>
-          <a:xfrm>
-            <a:off x="7801296" y="768532"/>
-            <a:ext cx="2127505" cy="215444"/>
-          </a:xfrm>
-          <a:prstGeom prst="rect">
-            <a:avLst/>
-          </a:prstGeom>
-          <a:noFill/>
-        </p:spPr>
-        <p:txBody>
-          <a:bodyPr wrap="none" rtlCol="0">
-            <a:spAutoFit/>
-          </a:bodyPr>
-          <a:lstStyle/>
-          <a:p>
-            <a:r>
-              <a:rPr lang="en-US" sz="800" dirty="0"/>
-              <a:t>https://</a:t>
-            </a:r>
-            <a:r>
-              <a:rPr lang="en-US" sz="800" dirty="0" err="1"/>
-              <a:t>www.nature.com</a:t>
-            </a:r>
-            <a:r>
-              <a:rPr lang="en-US" sz="800" dirty="0"/>
-              <a:t>/articles/nmeth.2688</a:t>
-            </a:r>
-          </a:p>
-        </p:txBody>
-      </p:sp>
     </p:spTree>
     <p:extLst>
       <p:ext uri="{BB962C8B-B14F-4D97-AF65-F5344CB8AC3E}">
-        <p14:creationId xmlns:p14="http://schemas.microsoft.com/office/powerpoint/2010/main" val="3616175842"/>
+        <p14:creationId xmlns:p14="http://schemas.microsoft.com/office/powerpoint/2010/main" val="706961207"/>
       </p:ext>
     </p:extLst>
   </p:cSld>
@@ -9143,7 +9320,7 @@
           <p:cNvPr id="2" name="Title 1">
             <a:extLst>
               <a:ext uri="{FF2B5EF4-FFF2-40B4-BE49-F238E27FC236}">
-                <a16:creationId xmlns:a16="http://schemas.microsoft.com/office/drawing/2014/main" id="{6107F6C2-68D4-A14D-99AE-F11FA8F50CFA}"/>
+                <a16:creationId xmlns:a16="http://schemas.microsoft.com/office/drawing/2014/main" id="{C3F43CC8-59E2-7E49-85CA-50475753B5AA}"/>
               </a:ext>
             </a:extLst>
           </p:cNvPr>
@@ -9154,110 +9331,268 @@
             <p:ph type="title"/>
           </p:nvPr>
         </p:nvSpPr>
-        <p:spPr>
-          <a:xfrm>
-            <a:off x="838200" y="265735"/>
-            <a:ext cx="10515600" cy="499579"/>
-          </a:xfrm>
-        </p:spPr>
-        <p:txBody>
-          <a:bodyPr anchor="ctr">
-            <a:noAutofit/>
+        <p:spPr/>
+        <p:txBody>
+          <a:bodyPr>
+            <a:normAutofit fontScale="90000"/>
           </a:bodyPr>
           <a:lstStyle/>
           <a:p>
             <a:r>
-              <a:rPr lang="en-US" sz="4000" dirty="0"/>
-              <a:t>Common use cases</a:t>
-            </a:r>
-          </a:p>
-        </p:txBody>
-      </p:sp>
-      <p:sp>
-        <p:nvSpPr>
-          <p:cNvPr id="3" name="Content Placeholder 2">
-            <a:extLst>
-              <a:ext uri="{FF2B5EF4-FFF2-40B4-BE49-F238E27FC236}">
-                <a16:creationId xmlns:a16="http://schemas.microsoft.com/office/drawing/2014/main" id="{5D45902C-A6EC-0F4C-8347-A5E16E3C23B4}"/>
-              </a:ext>
-            </a:extLst>
-          </p:cNvPr>
-          <p:cNvSpPr>
-            <a:spLocks noGrp="1"/>
-          </p:cNvSpPr>
-          <p:nvPr>
-            <p:ph sz="half" idx="1"/>
-          </p:nvPr>
-        </p:nvSpPr>
-        <p:spPr>
-          <a:xfrm>
-            <a:off x="838200" y="1825625"/>
-            <a:ext cx="5181600" cy="4351338"/>
-          </a:xfrm>
-        </p:spPr>
-        <p:txBody>
-          <a:bodyPr>
-            <a:normAutofit/>
-          </a:bodyPr>
-          <a:lstStyle/>
-          <a:p>
-            <a:r>
               <a:rPr lang="en-US" dirty="0"/>
-              <a:t>Mapping regions of open chromatin</a:t>
-            </a:r>
-          </a:p>
-          <a:p>
-            <a:r>
-              <a:rPr lang="en-US" dirty="0"/>
-              <a:t>Mapping nucleosome positions</a:t>
-            </a:r>
-          </a:p>
-          <a:p>
-            <a:r>
-              <a:rPr lang="en-US" dirty="0"/>
-              <a:t>Transcription factor </a:t>
-            </a:r>
-            <a:r>
-              <a:rPr lang="en-US" dirty="0" err="1"/>
-              <a:t>footprinting</a:t>
-            </a:r>
-            <a:endParaRPr lang="en-US" dirty="0"/>
+              <a:t>Comparison</a:t>
+            </a:r>
           </a:p>
         </p:txBody>
       </p:sp>
       <p:pic>
         <p:nvPicPr>
-          <p:cNvPr id="13" name="Picture 12" descr="Diagram&#10;&#10;Description automatically generated">
-            <a:extLst>
-              <a:ext uri="{FF2B5EF4-FFF2-40B4-BE49-F238E27FC236}">
-                <a16:creationId xmlns:a16="http://schemas.microsoft.com/office/drawing/2014/main" id="{F5FB1A7D-2B24-B94B-835F-6985601652B2}"/>
+          <p:cNvPr id="13" name="Picture 4">
+            <a:extLst>
+              <a:ext uri="{FF2B5EF4-FFF2-40B4-BE49-F238E27FC236}">
+                <a16:creationId xmlns:a16="http://schemas.microsoft.com/office/drawing/2014/main" id="{4F1DDD7A-FA35-9B49-BD83-E77612F5DCB6}"/>
               </a:ext>
             </a:extLst>
           </p:cNvPr>
           <p:cNvPicPr>
-            <a:picLocks noChangeAspect="1"/>
+            <a:picLocks noChangeAspect="1" noChangeArrowheads="1"/>
           </p:cNvPicPr>
           <p:nvPr/>
         </p:nvPicPr>
         <p:blipFill rotWithShape="1">
-          <a:blip r:embed="rId3"/>
-          <a:srcRect l="7322"/>
+          <a:blip r:embed="rId3">
+            <a:extLst>
+              <a:ext uri="{28A0092B-C50C-407E-A947-70E740481C1C}">
+                <a14:useLocalDpi xmlns:a14="http://schemas.microsoft.com/office/drawing/2010/main" val="0"/>
+              </a:ext>
+            </a:extLst>
+          </a:blip>
+          <a:srcRect t="27567"/>
           <a:stretch/>
         </p:blipFill>
+        <p:spPr bwMode="auto">
+          <a:xfrm>
+            <a:off x="3318668" y="2462832"/>
+            <a:ext cx="5554663" cy="4010430"/>
+          </a:xfrm>
+          <a:prstGeom prst="rect">
+            <a:avLst/>
+          </a:prstGeom>
+          <a:noFill/>
+          <a:extLst>
+            <a:ext uri="{909E8E84-426E-40DD-AFC4-6F175D3DCCD1}">
+              <a14:hiddenFill xmlns:a14="http://schemas.microsoft.com/office/drawing/2010/main">
+                <a:solidFill>
+                  <a:srgbClr val="FFFFFF"/>
+                </a:solidFill>
+              </a14:hiddenFill>
+            </a:ext>
+          </a:extLst>
+        </p:spPr>
+      </p:pic>
+      <p:pic>
+        <p:nvPicPr>
+          <p:cNvPr id="14" name="Picture 4">
+            <a:extLst>
+              <a:ext uri="{FF2B5EF4-FFF2-40B4-BE49-F238E27FC236}">
+                <a16:creationId xmlns:a16="http://schemas.microsoft.com/office/drawing/2014/main" id="{6C928B22-E5A0-9E43-9416-98C91F77A10E}"/>
+              </a:ext>
+            </a:extLst>
+          </p:cNvPr>
+          <p:cNvPicPr>
+            <a:picLocks noChangeAspect="1" noChangeArrowheads="1"/>
+          </p:cNvPicPr>
+          <p:nvPr/>
+        </p:nvPicPr>
+        <p:blipFill rotWithShape="1">
+          <a:blip r:embed="rId3">
+            <a:extLst>
+              <a:ext uri="{28A0092B-C50C-407E-A947-70E740481C1C}">
+                <a14:useLocalDpi xmlns:a14="http://schemas.microsoft.com/office/drawing/2010/main" val="0"/>
+              </a:ext>
+            </a:extLst>
+          </a:blip>
+          <a:srcRect l="55649" b="72595"/>
+          <a:stretch/>
+        </p:blipFill>
+        <p:spPr bwMode="auto">
+          <a:xfrm>
+            <a:off x="4864216" y="908261"/>
+            <a:ext cx="2463566" cy="1517326"/>
+          </a:xfrm>
+          <a:prstGeom prst="rect">
+            <a:avLst/>
+          </a:prstGeom>
+          <a:noFill/>
+          <a:extLst>
+            <a:ext uri="{909E8E84-426E-40DD-AFC4-6F175D3DCCD1}">
+              <a14:hiddenFill xmlns:a14="http://schemas.microsoft.com/office/drawing/2010/main">
+                <a:solidFill>
+                  <a:srgbClr val="FFFFFF"/>
+                </a:solidFill>
+              </a14:hiddenFill>
+            </a:ext>
+          </a:extLst>
+        </p:spPr>
+      </p:pic>
+      <p:sp>
+        <p:nvSpPr>
+          <p:cNvPr id="6" name="Rectangle 5">
+            <a:extLst>
+              <a:ext uri="{FF2B5EF4-FFF2-40B4-BE49-F238E27FC236}">
+                <a16:creationId xmlns:a16="http://schemas.microsoft.com/office/drawing/2014/main" id="{4C58FDE4-26BE-5C4B-A6A0-3C56BFFA3B97}"/>
+              </a:ext>
+            </a:extLst>
+          </p:cNvPr>
+          <p:cNvSpPr/>
+          <p:nvPr/>
+        </p:nvSpPr>
         <p:spPr>
           <a:xfrm>
-            <a:off x="1045341" y="4001294"/>
-            <a:ext cx="9745717" cy="1764018"/>
+            <a:off x="4864217" y="885039"/>
+            <a:ext cx="245665" cy="262443"/>
+          </a:xfrm>
+          <a:prstGeom prst="rect">
+            <a:avLst/>
+          </a:prstGeom>
+          <a:solidFill>
+            <a:schemeClr val="bg1"/>
+          </a:solidFill>
+          <a:ln>
+            <a:noFill/>
+          </a:ln>
+        </p:spPr>
+        <p:style>
+          <a:lnRef idx="2">
+            <a:schemeClr val="accent1">
+              <a:shade val="50000"/>
+            </a:schemeClr>
+          </a:lnRef>
+          <a:fillRef idx="1">
+            <a:schemeClr val="accent1"/>
+          </a:fillRef>
+          <a:effectRef idx="0">
+            <a:schemeClr val="accent1"/>
+          </a:effectRef>
+          <a:fontRef idx="minor">
+            <a:schemeClr val="lt1"/>
+          </a:fontRef>
+        </p:style>
+        <p:txBody>
+          <a:bodyPr rtlCol="0" anchor="ctr"/>
+          <a:lstStyle/>
+          <a:p>
+            <a:pPr algn="ctr"/>
+            <a:endParaRPr lang="en-US"/>
+          </a:p>
+        </p:txBody>
+      </p:sp>
+      <p:sp>
+        <p:nvSpPr>
+          <p:cNvPr id="16" name="Rectangle 15">
+            <a:extLst>
+              <a:ext uri="{FF2B5EF4-FFF2-40B4-BE49-F238E27FC236}">
+                <a16:creationId xmlns:a16="http://schemas.microsoft.com/office/drawing/2014/main" id="{3A8A8C38-0FAF-A545-82A7-3A5D43E67053}"/>
+              </a:ext>
+            </a:extLst>
+          </p:cNvPr>
+          <p:cNvSpPr/>
+          <p:nvPr/>
+        </p:nvSpPr>
+        <p:spPr>
+          <a:xfrm>
+            <a:off x="3178855" y="2462832"/>
+            <a:ext cx="245665" cy="262443"/>
+          </a:xfrm>
+          <a:prstGeom prst="rect">
+            <a:avLst/>
+          </a:prstGeom>
+          <a:solidFill>
+            <a:schemeClr val="bg1"/>
+          </a:solidFill>
+          <a:ln>
+            <a:noFill/>
+          </a:ln>
+        </p:spPr>
+        <p:style>
+          <a:lnRef idx="2">
+            <a:schemeClr val="accent1">
+              <a:shade val="50000"/>
+            </a:schemeClr>
+          </a:lnRef>
+          <a:fillRef idx="1">
+            <a:schemeClr val="accent1"/>
+          </a:fillRef>
+          <a:effectRef idx="0">
+            <a:schemeClr val="accent1"/>
+          </a:effectRef>
+          <a:fontRef idx="minor">
+            <a:schemeClr val="lt1"/>
+          </a:fontRef>
+        </p:style>
+        <p:txBody>
+          <a:bodyPr rtlCol="0" anchor="ctr"/>
+          <a:lstStyle/>
+          <a:p>
+            <a:pPr algn="ctr"/>
+            <a:endParaRPr lang="en-US"/>
+          </a:p>
+        </p:txBody>
+      </p:sp>
+      <p:sp>
+        <p:nvSpPr>
+          <p:cNvPr id="7" name="Rectangle 6">
+            <a:extLst>
+              <a:ext uri="{FF2B5EF4-FFF2-40B4-BE49-F238E27FC236}">
+                <a16:creationId xmlns:a16="http://schemas.microsoft.com/office/drawing/2014/main" id="{3173D4DA-86EF-1142-ACCB-6A39D879E60F}"/>
+              </a:ext>
+            </a:extLst>
+          </p:cNvPr>
+          <p:cNvSpPr/>
+          <p:nvPr/>
+        </p:nvSpPr>
+        <p:spPr>
+          <a:xfrm>
+            <a:off x="3048000" y="6484058"/>
+            <a:ext cx="6096000" cy="215444"/>
           </a:xfrm>
           <a:prstGeom prst="rect">
             <a:avLst/>
           </a:prstGeom>
         </p:spPr>
-      </p:pic>
+        <p:txBody>
+          <a:bodyPr>
+            <a:spAutoFit/>
+          </a:bodyPr>
+          <a:lstStyle/>
+          <a:p>
+            <a:r>
+              <a:rPr lang="en-US" sz="800" dirty="0"/>
+              <a:t>https://</a:t>
+            </a:r>
+            <a:r>
+              <a:rPr lang="en-US" sz="800" dirty="0" err="1"/>
+              <a:t>www.ncbi.nlm.nih.gov</a:t>
+            </a:r>
+            <a:r>
+              <a:rPr lang="en-US" sz="800" dirty="0"/>
+              <a:t>/</a:t>
+            </a:r>
+            <a:r>
+              <a:rPr lang="en-US" sz="800" dirty="0" err="1"/>
+              <a:t>pmc</a:t>
+            </a:r>
+            <a:r>
+              <a:rPr lang="en-US" sz="800" dirty="0"/>
+              <a:t>/articles/PMC3959825/#R10</a:t>
+            </a:r>
+          </a:p>
+        </p:txBody>
+      </p:sp>
     </p:spTree>
     <p:extLst>
       <p:ext uri="{BB962C8B-B14F-4D97-AF65-F5344CB8AC3E}">
-        <p14:creationId xmlns:p14="http://schemas.microsoft.com/office/powerpoint/2010/main" val="706961207"/>
+        <p14:creationId xmlns:p14="http://schemas.microsoft.com/office/powerpoint/2010/main" val="2250991876"/>
       </p:ext>
     </p:extLst>
   </p:cSld>
@@ -10002,7 +10337,7 @@
 </file>
 
 <file path=ppt/slides/slide18.xml><?xml version="1.0" encoding="utf-8"?>
-<p:sld xmlns:a="http://schemas.openxmlformats.org/drawingml/2006/main" xmlns:r="http://schemas.openxmlformats.org/officeDocument/2006/relationships" xmlns:p="http://schemas.openxmlformats.org/presentationml/2006/main" show="0">
+<p:sld xmlns:a="http://schemas.openxmlformats.org/drawingml/2006/main" xmlns:r="http://schemas.openxmlformats.org/officeDocument/2006/relationships" xmlns:p="http://schemas.openxmlformats.org/presentationml/2006/main">
   <p:cSld>
     <p:spTree>
       <p:nvGrpSpPr>
@@ -10023,7 +10358,7 @@
           <p:cNvPr id="2" name="Title 1">
             <a:extLst>
               <a:ext uri="{FF2B5EF4-FFF2-40B4-BE49-F238E27FC236}">
-                <a16:creationId xmlns:a16="http://schemas.microsoft.com/office/drawing/2014/main" id="{5C4636EA-5B54-124B-930D-7ABA6FE5AD56}"/>
+                <a16:creationId xmlns:a16="http://schemas.microsoft.com/office/drawing/2014/main" id="{8B01C223-5902-4441-9768-AAE1B08F916E}"/>
               </a:ext>
             </a:extLst>
           </p:cNvPr>
@@ -10042,65 +10377,16 @@
           <a:lstStyle/>
           <a:p>
             <a:r>
-              <a:rPr lang="en-US" dirty="0"/>
-              <a:t>File formats</a:t>
-            </a:r>
-          </a:p>
-        </p:txBody>
-      </p:sp>
-      <p:sp>
-        <p:nvSpPr>
-          <p:cNvPr id="3" name="Content Placeholder 2">
-            <a:extLst>
-              <a:ext uri="{FF2B5EF4-FFF2-40B4-BE49-F238E27FC236}">
-                <a16:creationId xmlns:a16="http://schemas.microsoft.com/office/drawing/2014/main" id="{A71DECCD-3061-374E-8292-1E3303796B8D}"/>
-              </a:ext>
-            </a:extLst>
-          </p:cNvPr>
-          <p:cNvSpPr>
-            <a:spLocks noGrp="1"/>
-          </p:cNvSpPr>
-          <p:nvPr>
-            <p:ph idx="1"/>
-          </p:nvPr>
-        </p:nvSpPr>
-        <p:spPr/>
-        <p:txBody>
-          <a:bodyPr/>
-          <a:lstStyle/>
-          <a:p>
-            <a:r>
-              <a:rPr lang="en-US" dirty="0">
-                <a:hlinkClick r:id="rId2"/>
-              </a:rPr>
-              <a:t>https://genome.ucsc.edu/goldenPath/help/bedgraph.html</a:t>
-            </a:r>
-            <a:endParaRPr lang="en-US" dirty="0"/>
-          </a:p>
-          <a:p>
-            <a:r>
-              <a:rPr lang="en-US" dirty="0">
-                <a:hlinkClick r:id="rId3"/>
-              </a:rPr>
-              <a:t>https://genome.ucsc.edu/goldenPath/help/bigWig.html</a:t>
-            </a:r>
-            <a:endParaRPr lang="en-US" dirty="0"/>
-          </a:p>
-          <a:p>
-            <a:r>
               <a:rPr lang="en-US"/>
-              <a:t>     </a:t>
-            </a:r>
-          </a:p>
-          <a:p>
-            <a:endParaRPr lang="en-US"/>
+              <a:t>Questions?</a:t>
+            </a:r>
           </a:p>
         </p:txBody>
       </p:sp>
     </p:spTree>
     <p:extLst>
       <p:ext uri="{BB962C8B-B14F-4D97-AF65-F5344CB8AC3E}">
-        <p14:creationId xmlns:p14="http://schemas.microsoft.com/office/powerpoint/2010/main" val="431614197"/>
+        <p14:creationId xmlns:p14="http://schemas.microsoft.com/office/powerpoint/2010/main" val="3769671235"/>
       </p:ext>
     </p:extLst>
   </p:cSld>
@@ -11132,10 +11418,10 @@
       </p:grpSpPr>
       <p:sp>
         <p:nvSpPr>
-          <p:cNvPr id="2" name="Title 1">
-            <a:extLst>
-              <a:ext uri="{FF2B5EF4-FFF2-40B4-BE49-F238E27FC236}">
-                <a16:creationId xmlns:a16="http://schemas.microsoft.com/office/drawing/2014/main" id="{AC1022A8-F544-2645-956D-17C22D959A3E}"/>
+          <p:cNvPr id="4" name="Title 3">
+            <a:extLst>
+              <a:ext uri="{FF2B5EF4-FFF2-40B4-BE49-F238E27FC236}">
+                <a16:creationId xmlns:a16="http://schemas.microsoft.com/office/drawing/2014/main" id="{423AFD47-DFD9-9B4B-BAB5-A3E2BB91297B}"/>
               </a:ext>
             </a:extLst>
           </p:cNvPr>
@@ -11143,53 +11429,68 @@
             <a:spLocks noGrp="1"/>
           </p:cNvSpPr>
           <p:nvPr>
-            <p:ph type="title"/>
-          </p:nvPr>
-        </p:nvSpPr>
-        <p:spPr/>
+            <p:ph type="ctrTitle"/>
+          </p:nvPr>
+        </p:nvSpPr>
+        <p:spPr>
+          <a:xfrm>
+            <a:off x="1524000" y="2630214"/>
+            <a:ext cx="9144000" cy="1597572"/>
+          </a:xfrm>
+        </p:spPr>
         <p:txBody>
           <a:bodyPr>
             <a:normAutofit fontScale="90000"/>
           </a:bodyPr>
           <a:lstStyle/>
           <a:p>
-            <a:endParaRPr lang="en-US"/>
-          </a:p>
-        </p:txBody>
-      </p:sp>
-      <p:pic>
-        <p:nvPicPr>
-          <p:cNvPr id="7" name="Picture 6" descr="Chart, bubble chart&#10;&#10;Description automatically generated">
-            <a:extLst>
-              <a:ext uri="{FF2B5EF4-FFF2-40B4-BE49-F238E27FC236}">
-                <a16:creationId xmlns:a16="http://schemas.microsoft.com/office/drawing/2014/main" id="{C51AF678-A4EE-C34D-9917-949EFBDA6CA9}"/>
-              </a:ext>
-            </a:extLst>
-          </p:cNvPr>
-          <p:cNvPicPr>
-            <a:picLocks noChangeAspect="1"/>
-          </p:cNvPicPr>
-          <p:nvPr/>
-        </p:nvPicPr>
-        <p:blipFill rotWithShape="1">
-          <a:blip r:embed="rId3"/>
-          <a:srcRect l="2112" t="8480" b="3751"/>
-          <a:stretch/>
-        </p:blipFill>
+            <a:r>
+              <a:rPr lang="en-GB" dirty="0"/>
+              <a:t>Assay of Transposase Accessible Chromatin sequencing</a:t>
+            </a:r>
+            <a:endParaRPr lang="en-US" dirty="0"/>
+          </a:p>
+        </p:txBody>
+      </p:sp>
+      <p:sp>
+        <p:nvSpPr>
+          <p:cNvPr id="3" name="Content Placeholder 2">
+            <a:extLst>
+              <a:ext uri="{FF2B5EF4-FFF2-40B4-BE49-F238E27FC236}">
+                <a16:creationId xmlns:a16="http://schemas.microsoft.com/office/drawing/2014/main" id="{2F9439FC-0AFA-5942-A48E-4AC0F4AD8242}"/>
+              </a:ext>
+            </a:extLst>
+          </p:cNvPr>
+          <p:cNvSpPr>
+            <a:spLocks noGrp="1"/>
+          </p:cNvSpPr>
+          <p:nvPr>
+            <p:ph type="subTitle" idx="1"/>
+          </p:nvPr>
+        </p:nvSpPr>
         <p:spPr>
           <a:xfrm>
-            <a:off x="838200" y="1260389"/>
-            <a:ext cx="10402065" cy="4337221"/>
+            <a:off x="1524000" y="4445875"/>
+            <a:ext cx="9144000" cy="599090"/>
           </a:xfrm>
-          <a:prstGeom prst="rect">
-            <a:avLst/>
-          </a:prstGeom>
         </p:spPr>
-      </p:pic>
+        <p:txBody>
+          <a:bodyPr anchor="ctr">
+            <a:normAutofit/>
+          </a:bodyPr>
+          <a:lstStyle/>
+          <a:p>
+            <a:r>
+              <a:rPr lang="en-US" sz="3500" dirty="0"/>
+              <a:t>(ATAC-seq)</a:t>
+            </a:r>
+          </a:p>
+        </p:txBody>
+      </p:sp>
     </p:spTree>
     <p:extLst>
       <p:ext uri="{BB962C8B-B14F-4D97-AF65-F5344CB8AC3E}">
-        <p14:creationId xmlns:p14="http://schemas.microsoft.com/office/powerpoint/2010/main" val="1327314122"/>
+        <p14:creationId xmlns:p14="http://schemas.microsoft.com/office/powerpoint/2010/main" val="103863296"/>
       </p:ext>
     </p:extLst>
   </p:cSld>
@@ -11218,107 +11519,6 @@
       </p:grpSpPr>
       <p:sp>
         <p:nvSpPr>
-          <p:cNvPr id="4" name="Title 3">
-            <a:extLst>
-              <a:ext uri="{FF2B5EF4-FFF2-40B4-BE49-F238E27FC236}">
-                <a16:creationId xmlns:a16="http://schemas.microsoft.com/office/drawing/2014/main" id="{423AFD47-DFD9-9B4B-BAB5-A3E2BB91297B}"/>
-              </a:ext>
-            </a:extLst>
-          </p:cNvPr>
-          <p:cNvSpPr>
-            <a:spLocks noGrp="1"/>
-          </p:cNvSpPr>
-          <p:nvPr>
-            <p:ph type="ctrTitle"/>
-          </p:nvPr>
-        </p:nvSpPr>
-        <p:spPr>
-          <a:xfrm>
-            <a:off x="1524000" y="2630214"/>
-            <a:ext cx="9144000" cy="1597572"/>
-          </a:xfrm>
-        </p:spPr>
-        <p:txBody>
-          <a:bodyPr>
-            <a:normAutofit fontScale="90000"/>
-          </a:bodyPr>
-          <a:lstStyle/>
-          <a:p>
-            <a:r>
-              <a:rPr lang="en-GB" dirty="0"/>
-              <a:t>Assay of Transposase Accessible Chromatin sequencing</a:t>
-            </a:r>
-            <a:endParaRPr lang="en-US" dirty="0"/>
-          </a:p>
-        </p:txBody>
-      </p:sp>
-      <p:sp>
-        <p:nvSpPr>
-          <p:cNvPr id="3" name="Content Placeholder 2">
-            <a:extLst>
-              <a:ext uri="{FF2B5EF4-FFF2-40B4-BE49-F238E27FC236}">
-                <a16:creationId xmlns:a16="http://schemas.microsoft.com/office/drawing/2014/main" id="{2F9439FC-0AFA-5942-A48E-4AC0F4AD8242}"/>
-              </a:ext>
-            </a:extLst>
-          </p:cNvPr>
-          <p:cNvSpPr>
-            <a:spLocks noGrp="1"/>
-          </p:cNvSpPr>
-          <p:nvPr>
-            <p:ph type="subTitle" idx="1"/>
-          </p:nvPr>
-        </p:nvSpPr>
-        <p:spPr>
-          <a:xfrm>
-            <a:off x="1524000" y="4445875"/>
-            <a:ext cx="9144000" cy="599090"/>
-          </a:xfrm>
-        </p:spPr>
-        <p:txBody>
-          <a:bodyPr anchor="ctr">
-            <a:normAutofit/>
-          </a:bodyPr>
-          <a:lstStyle/>
-          <a:p>
-            <a:r>
-              <a:rPr lang="en-US" sz="3500" dirty="0"/>
-              <a:t>(ATAC-seq)</a:t>
-            </a:r>
-          </a:p>
-        </p:txBody>
-      </p:sp>
-    </p:spTree>
-    <p:extLst>
-      <p:ext uri="{BB962C8B-B14F-4D97-AF65-F5344CB8AC3E}">
-        <p14:creationId xmlns:p14="http://schemas.microsoft.com/office/powerpoint/2010/main" val="103863296"/>
-      </p:ext>
-    </p:extLst>
-  </p:cSld>
-  <p:clrMapOvr>
-    <a:masterClrMapping/>
-  </p:clrMapOvr>
-</p:sld>
-</file>
-
-<file path=ppt/slides/slide8.xml><?xml version="1.0" encoding="utf-8"?>
-<p:sld xmlns:a="http://schemas.openxmlformats.org/drawingml/2006/main" xmlns:r="http://schemas.openxmlformats.org/officeDocument/2006/relationships" xmlns:p="http://schemas.openxmlformats.org/presentationml/2006/main">
-  <p:cSld>
-    <p:spTree>
-      <p:nvGrpSpPr>
-        <p:cNvPr id="1" name=""/>
-        <p:cNvGrpSpPr/>
-        <p:nvPr/>
-      </p:nvGrpSpPr>
-      <p:grpSpPr>
-        <a:xfrm>
-          <a:off x="0" y="0"/>
-          <a:ext cx="0" cy="0"/>
-          <a:chOff x="0" y="0"/>
-          <a:chExt cx="0" cy="0"/>
-        </a:xfrm>
-      </p:grpSpPr>
-      <p:sp>
-        <p:nvSpPr>
           <p:cNvPr id="2" name="Title 1">
             <a:extLst>
               <a:ext uri="{FF2B5EF4-FFF2-40B4-BE49-F238E27FC236}">
@@ -11458,7 +11658,7 @@
 </p:sld>
 </file>
 
-<file path=ppt/slides/slide9.xml><?xml version="1.0" encoding="utf-8"?>
+<file path=ppt/slides/slide8.xml><?xml version="1.0" encoding="utf-8"?>
 <p:sld xmlns:a="http://schemas.openxmlformats.org/drawingml/2006/main" xmlns:r="http://schemas.openxmlformats.org/officeDocument/2006/relationships" xmlns:p="http://schemas.openxmlformats.org/presentationml/2006/main">
   <p:cSld>
     <p:spTree>
@@ -11654,6 +11854,301 @@
     <p:extLst>
       <p:ext uri="{BB962C8B-B14F-4D97-AF65-F5344CB8AC3E}">
         <p14:creationId xmlns:p14="http://schemas.microsoft.com/office/powerpoint/2010/main" val="347289526"/>
+      </p:ext>
+    </p:extLst>
+  </p:cSld>
+  <p:clrMapOvr>
+    <a:masterClrMapping/>
+  </p:clrMapOvr>
+</p:sld>
+</file>
+
+<file path=ppt/slides/slide9.xml><?xml version="1.0" encoding="utf-8"?>
+<p:sld xmlns:a="http://schemas.openxmlformats.org/drawingml/2006/main" xmlns:r="http://schemas.openxmlformats.org/officeDocument/2006/relationships" xmlns:p="http://schemas.openxmlformats.org/presentationml/2006/main">
+  <p:cSld>
+    <p:spTree>
+      <p:nvGrpSpPr>
+        <p:cNvPr id="1" name=""/>
+        <p:cNvGrpSpPr/>
+        <p:nvPr/>
+      </p:nvGrpSpPr>
+      <p:grpSpPr>
+        <a:xfrm>
+          <a:off x="0" y="0"/>
+          <a:ext cx="0" cy="0"/>
+          <a:chOff x="0" y="0"/>
+          <a:chExt cx="0" cy="0"/>
+        </a:xfrm>
+      </p:grpSpPr>
+      <p:sp>
+        <p:nvSpPr>
+          <p:cNvPr id="2" name="Title 1">
+            <a:extLst>
+              <a:ext uri="{FF2B5EF4-FFF2-40B4-BE49-F238E27FC236}">
+                <a16:creationId xmlns:a16="http://schemas.microsoft.com/office/drawing/2014/main" id="{F166353E-7C22-1E4B-8128-DED353471BC5}"/>
+              </a:ext>
+            </a:extLst>
+          </p:cNvPr>
+          <p:cNvSpPr>
+            <a:spLocks noGrp="1"/>
+          </p:cNvSpPr>
+          <p:nvPr>
+            <p:ph type="title"/>
+          </p:nvPr>
+        </p:nvSpPr>
+        <p:spPr/>
+        <p:txBody>
+          <a:bodyPr>
+            <a:normAutofit fontScale="90000"/>
+          </a:bodyPr>
+          <a:lstStyle/>
+          <a:p>
+            <a:r>
+              <a:rPr lang="en-US" dirty="0"/>
+              <a:t>ATAC-seq</a:t>
+            </a:r>
+          </a:p>
+        </p:txBody>
+      </p:sp>
+      <p:pic>
+        <p:nvPicPr>
+          <p:cNvPr id="1026" name="Picture 2" descr="page3image59526816">
+            <a:extLst>
+              <a:ext uri="{FF2B5EF4-FFF2-40B4-BE49-F238E27FC236}">
+                <a16:creationId xmlns:a16="http://schemas.microsoft.com/office/drawing/2014/main" id="{B0A3380A-5E22-274C-976F-4AA62B7065A0}"/>
+              </a:ext>
+            </a:extLst>
+          </p:cNvPr>
+          <p:cNvPicPr>
+            <a:picLocks noChangeAspect="1" noChangeArrowheads="1"/>
+          </p:cNvPicPr>
+          <p:nvPr/>
+        </p:nvPicPr>
+        <p:blipFill>
+          <a:blip r:embed="rId3">
+            <a:extLst>
+              <a:ext uri="{28A0092B-C50C-407E-A947-70E740481C1C}">
+                <a14:useLocalDpi xmlns:a14="http://schemas.microsoft.com/office/drawing/2010/main" val="0"/>
+              </a:ext>
+            </a:extLst>
+          </a:blip>
+          <a:srcRect/>
+          <a:stretch>
+            <a:fillRect/>
+          </a:stretch>
+        </p:blipFill>
+        <p:spPr bwMode="auto">
+          <a:xfrm>
+            <a:off x="2249864" y="2653748"/>
+            <a:ext cx="7692271" cy="2703443"/>
+          </a:xfrm>
+          <a:prstGeom prst="rect">
+            <a:avLst/>
+          </a:prstGeom>
+          <a:noFill/>
+          <a:extLst>
+            <a:ext uri="{909E8E84-426E-40DD-AFC4-6F175D3DCCD1}">
+              <a14:hiddenFill xmlns:a14="http://schemas.microsoft.com/office/drawing/2010/main">
+                <a:solidFill>
+                  <a:srgbClr val="FFFFFF"/>
+                </a:solidFill>
+              </a14:hiddenFill>
+            </a:ext>
+          </a:extLst>
+        </p:spPr>
+      </p:pic>
+      <p:pic>
+        <p:nvPicPr>
+          <p:cNvPr id="1027" name="Picture 3" descr="page4image50975200">
+            <a:extLst>
+              <a:ext uri="{FF2B5EF4-FFF2-40B4-BE49-F238E27FC236}">
+                <a16:creationId xmlns:a16="http://schemas.microsoft.com/office/drawing/2014/main" id="{DAFBF7CD-4F0A-0C49-B7F1-EE6D16F5F4B0}"/>
+              </a:ext>
+            </a:extLst>
+          </p:cNvPr>
+          <p:cNvPicPr>
+            <a:picLocks noChangeAspect="1" noChangeArrowheads="1"/>
+          </p:cNvPicPr>
+          <p:nvPr/>
+        </p:nvPicPr>
+        <p:blipFill>
+          <a:blip r:embed="rId4">
+            <a:extLst>
+              <a:ext uri="{28A0092B-C50C-407E-A947-70E740481C1C}">
+                <a14:useLocalDpi xmlns:a14="http://schemas.microsoft.com/office/drawing/2010/main" val="0"/>
+              </a:ext>
+            </a:extLst>
+          </a:blip>
+          <a:srcRect/>
+          <a:stretch>
+            <a:fillRect/>
+          </a:stretch>
+        </p:blipFill>
+        <p:spPr bwMode="auto">
+          <a:xfrm>
+            <a:off x="3552263" y="5449265"/>
+            <a:ext cx="5087471" cy="1143000"/>
+          </a:xfrm>
+          <a:prstGeom prst="rect">
+            <a:avLst/>
+          </a:prstGeom>
+          <a:noFill/>
+          <a:extLst>
+            <a:ext uri="{909E8E84-426E-40DD-AFC4-6F175D3DCCD1}">
+              <a14:hiddenFill xmlns:a14="http://schemas.microsoft.com/office/drawing/2010/main">
+                <a:solidFill>
+                  <a:srgbClr val="FFFFFF"/>
+                </a:solidFill>
+              </a14:hiddenFill>
+            </a:ext>
+          </a:extLst>
+        </p:spPr>
+      </p:pic>
+      <p:pic>
+        <p:nvPicPr>
+          <p:cNvPr id="1028" name="Picture 4" descr="page5image50923552">
+            <a:extLst>
+              <a:ext uri="{FF2B5EF4-FFF2-40B4-BE49-F238E27FC236}">
+                <a16:creationId xmlns:a16="http://schemas.microsoft.com/office/drawing/2014/main" id="{436190F4-BBC6-B04B-AC3A-26A63217B01E}"/>
+              </a:ext>
+            </a:extLst>
+          </p:cNvPr>
+          <p:cNvPicPr>
+            <a:picLocks noChangeAspect="1" noChangeArrowheads="1"/>
+          </p:cNvPicPr>
+          <p:nvPr/>
+        </p:nvPicPr>
+        <p:blipFill>
+          <a:blip r:embed="rId5">
+            <a:extLst>
+              <a:ext uri="{28A0092B-C50C-407E-A947-70E740481C1C}">
+                <a14:useLocalDpi xmlns:a14="http://schemas.microsoft.com/office/drawing/2010/main" val="0"/>
+              </a:ext>
+            </a:extLst>
+          </a:blip>
+          <a:srcRect/>
+          <a:stretch>
+            <a:fillRect/>
+          </a:stretch>
+        </p:blipFill>
+        <p:spPr bwMode="auto">
+          <a:xfrm>
+            <a:off x="6231835" y="742813"/>
+            <a:ext cx="3696966" cy="1692273"/>
+          </a:xfrm>
+          <a:prstGeom prst="rect">
+            <a:avLst/>
+          </a:prstGeom>
+          <a:noFill/>
+          <a:extLst>
+            <a:ext uri="{909E8E84-426E-40DD-AFC4-6F175D3DCCD1}">
+              <a14:hiddenFill xmlns:a14="http://schemas.microsoft.com/office/drawing/2010/main">
+                <a:solidFill>
+                  <a:srgbClr val="FFFFFF"/>
+                </a:solidFill>
+              </a14:hiddenFill>
+            </a:ext>
+          </a:extLst>
+        </p:spPr>
+      </p:pic>
+      <p:sp>
+        <p:nvSpPr>
+          <p:cNvPr id="6" name="TextBox 5">
+            <a:extLst>
+              <a:ext uri="{FF2B5EF4-FFF2-40B4-BE49-F238E27FC236}">
+                <a16:creationId xmlns:a16="http://schemas.microsoft.com/office/drawing/2014/main" id="{A29C1B62-5B6E-A94C-B607-91AF83E5E3D8}"/>
+              </a:ext>
+            </a:extLst>
+          </p:cNvPr>
+          <p:cNvSpPr txBox="1"/>
+          <p:nvPr/>
+        </p:nvSpPr>
+        <p:spPr>
+          <a:xfrm>
+            <a:off x="7914175" y="6592265"/>
+            <a:ext cx="4055919" cy="215444"/>
+          </a:xfrm>
+          <a:prstGeom prst="rect">
+            <a:avLst/>
+          </a:prstGeom>
+          <a:noFill/>
+        </p:spPr>
+        <p:txBody>
+          <a:bodyPr wrap="none" rtlCol="0">
+            <a:spAutoFit/>
+          </a:bodyPr>
+          <a:lstStyle/>
+          <a:p>
+            <a:r>
+              <a:rPr lang="en-US" sz="800" dirty="0"/>
+              <a:t>https://</a:t>
+            </a:r>
+            <a:r>
+              <a:rPr lang="en-US" sz="800" dirty="0" err="1"/>
+              <a:t>www.nature.com</a:t>
+            </a:r>
+            <a:r>
+              <a:rPr lang="en-US" sz="800" dirty="0"/>
+              <a:t>/articles/nmeth.2770?WT.feed_name=</a:t>
+            </a:r>
+            <a:r>
+              <a:rPr lang="en-US" sz="800" dirty="0" err="1"/>
+              <a:t>subjects_chromatin</a:t>
+            </a:r>
+            <a:r>
+              <a:rPr lang="en-US" sz="800" dirty="0"/>
+              <a:t>-analysis</a:t>
+            </a:r>
+          </a:p>
+        </p:txBody>
+      </p:sp>
+      <p:sp>
+        <p:nvSpPr>
+          <p:cNvPr id="3" name="TextBox 2">
+            <a:extLst>
+              <a:ext uri="{FF2B5EF4-FFF2-40B4-BE49-F238E27FC236}">
+                <a16:creationId xmlns:a16="http://schemas.microsoft.com/office/drawing/2014/main" id="{E892F42B-112E-2044-9CDB-BAA97303C7F1}"/>
+              </a:ext>
+            </a:extLst>
+          </p:cNvPr>
+          <p:cNvSpPr txBox="1"/>
+          <p:nvPr/>
+        </p:nvSpPr>
+        <p:spPr>
+          <a:xfrm>
+            <a:off x="7801296" y="768532"/>
+            <a:ext cx="2127505" cy="215444"/>
+          </a:xfrm>
+          <a:prstGeom prst="rect">
+            <a:avLst/>
+          </a:prstGeom>
+          <a:noFill/>
+        </p:spPr>
+        <p:txBody>
+          <a:bodyPr wrap="none" rtlCol="0">
+            <a:spAutoFit/>
+          </a:bodyPr>
+          <a:lstStyle/>
+          <a:p>
+            <a:r>
+              <a:rPr lang="en-US" sz="800" dirty="0"/>
+              <a:t>https://</a:t>
+            </a:r>
+            <a:r>
+              <a:rPr lang="en-US" sz="800" dirty="0" err="1"/>
+              <a:t>www.nature.com</a:t>
+            </a:r>
+            <a:r>
+              <a:rPr lang="en-US" sz="800" dirty="0"/>
+              <a:t>/articles/nmeth.2688</a:t>
+            </a:r>
+          </a:p>
+        </p:txBody>
+      </p:sp>
+    </p:spTree>
+    <p:extLst>
+      <p:ext uri="{BB962C8B-B14F-4D97-AF65-F5344CB8AC3E}">
+        <p14:creationId xmlns:p14="http://schemas.microsoft.com/office/powerpoint/2010/main" val="3616175842"/>
       </p:ext>
     </p:extLst>
   </p:cSld>
